--- a/1.OS 사진&프레젠테이션 자료/[OS]3~4. 메모리/프레젠테이션1.pptx
+++ b/1.OS 사진&프레젠테이션 자료/[OS]3~4. 메모리/프레젠테이션1.pptx
@@ -12,6 +12,9 @@
     <p:sldId id="261" r:id="rId6"/>
     <p:sldId id="260" r:id="rId7"/>
     <p:sldId id="262" r:id="rId8"/>
+    <p:sldId id="263" r:id="rId9"/>
+    <p:sldId id="264" r:id="rId10"/>
+    <p:sldId id="265" r:id="rId11"/>
   </p:sldIdLst>
   <p:sldSz cx="9144000" cy="6858000" type="screen4x3"/>
   <p:notesSz cx="6858000" cy="9144000"/>
@@ -1084,6 +1087,14 @@
         </dgm:presLayoutVars>
       </dgm:prSet>
       <dgm:spPr/>
+      <dgm:t>
+        <a:bodyPr/>
+        <a:lstStyle/>
+        <a:p>
+          <a:pPr latinLnBrk="1"/>
+          <a:endParaRPr lang="ko-KR" altLang="en-US"/>
+        </a:p>
+      </dgm:t>
     </dgm:pt>
     <dgm:pt modelId="{F552940B-ADAB-4059-8EBA-BC96F7974443}" type="pres">
       <dgm:prSet presAssocID="{60A08711-37A6-4A8D-833C-72F6B667F324}" presName="levelTx" presStyleLbl="revTx" presStyleIdx="0" presStyleCnt="0">
@@ -1093,6 +1104,14 @@
         </dgm:presLayoutVars>
       </dgm:prSet>
       <dgm:spPr/>
+      <dgm:t>
+        <a:bodyPr/>
+        <a:lstStyle/>
+        <a:p>
+          <a:pPr latinLnBrk="1"/>
+          <a:endParaRPr lang="ko-KR" altLang="en-US"/>
+        </a:p>
+      </dgm:t>
     </dgm:pt>
     <dgm:pt modelId="{7C15F8E2-9709-4C74-8415-79EDB1E6DB11}" type="pres">
       <dgm:prSet presAssocID="{F956E6F7-6E1B-45F7-B8FA-EE66FEC72842}" presName="Name8" presStyleCnt="0"/>
@@ -1210,19 +1229,19 @@
     </dgm:pt>
   </dgm:ptLst>
   <dgm:cxnLst>
+    <dgm:cxn modelId="{DAA541BE-BD89-492B-81F5-1B7CA940FDFC}" type="presOf" srcId="{60A08711-37A6-4A8D-833C-72F6B667F324}" destId="{FFF2A32B-B5C6-4477-BEDB-55EEEAF4350A}" srcOrd="0" destOrd="0" presId="urn:microsoft.com/office/officeart/2005/8/layout/pyramid1"/>
+    <dgm:cxn modelId="{3F6148D9-2C06-4447-A2B7-9BEFC72B6406}" type="presOf" srcId="{F956E6F7-6E1B-45F7-B8FA-EE66FEC72842}" destId="{C26EC472-C5FA-47F0-94F9-58F612E52849}" srcOrd="1" destOrd="0" presId="urn:microsoft.com/office/officeart/2005/8/layout/pyramid1"/>
+    <dgm:cxn modelId="{1B5C0CD6-C376-4DEB-BDF8-C382FE3CB230}" srcId="{DA3B015E-DA66-4413-8150-0CC285ED94BE}" destId="{09E1BE22-C747-4720-86D2-4F1E84900F5E}" srcOrd="3" destOrd="0" parTransId="{FB2B5456-C7C8-4E34-9DB0-588E4C3C9C08}" sibTransId="{EC4AD7F0-1B60-4D05-B9BE-C5AABAAC5307}"/>
+    <dgm:cxn modelId="{87383DCC-C69D-424D-8279-005D3858939E}" type="presOf" srcId="{DA3B015E-DA66-4413-8150-0CC285ED94BE}" destId="{E256C31B-F6DF-4DF8-AE53-93521F7F7B06}" srcOrd="0" destOrd="0" presId="urn:microsoft.com/office/officeart/2005/8/layout/pyramid1"/>
+    <dgm:cxn modelId="{A18CEDA6-530E-4BF5-814F-C2108E4DC47B}" type="presOf" srcId="{BFA7FD9F-B26B-4722-B419-A8359651813A}" destId="{E9D95AF8-1CE7-458F-81A8-8251DF64DC8A}" srcOrd="0" destOrd="0" presId="urn:microsoft.com/office/officeart/2005/8/layout/pyramid1"/>
+    <dgm:cxn modelId="{ED364E7A-9082-46C5-A7DD-60F39B8CD271}" type="presOf" srcId="{60A08711-37A6-4A8D-833C-72F6B667F324}" destId="{F552940B-ADAB-4059-8EBA-BC96F7974443}" srcOrd="1" destOrd="0" presId="urn:microsoft.com/office/officeart/2005/8/layout/pyramid1"/>
+    <dgm:cxn modelId="{721D7498-F997-402A-90FF-8CE289F92BC6}" type="presOf" srcId="{F956E6F7-6E1B-45F7-B8FA-EE66FEC72842}" destId="{DD109EAC-E14A-48E3-BE7E-3FB98DAA5512}" srcOrd="0" destOrd="0" presId="urn:microsoft.com/office/officeart/2005/8/layout/pyramid1"/>
+    <dgm:cxn modelId="{B0BFCB5E-C605-4621-BEF9-32D78D756A24}" type="presOf" srcId="{BFA7FD9F-B26B-4722-B419-A8359651813A}" destId="{A601C242-817D-48CD-9A5A-8B13C9FB8A49}" srcOrd="1" destOrd="0" presId="urn:microsoft.com/office/officeart/2005/8/layout/pyramid1"/>
+    <dgm:cxn modelId="{8390F06B-FC2A-4238-8091-0D8F3C39C8AF}" srcId="{DA3B015E-DA66-4413-8150-0CC285ED94BE}" destId="{60A08711-37A6-4A8D-833C-72F6B667F324}" srcOrd="0" destOrd="0" parTransId="{E97E7C6E-650F-41A2-AA1C-76D59B8C9B01}" sibTransId="{A77469E3-3334-4395-BB92-081D3C3D7D9F}"/>
+    <dgm:cxn modelId="{BB8B018A-7CCC-444A-9047-3D3033874CD8}" type="presOf" srcId="{09E1BE22-C747-4720-86D2-4F1E84900F5E}" destId="{2EBBB0E1-C60C-4122-A921-77E5E1B72297}" srcOrd="0" destOrd="0" presId="urn:microsoft.com/office/officeart/2005/8/layout/pyramid1"/>
+    <dgm:cxn modelId="{0351480D-9346-4237-965A-F0B95ABA83BC}" srcId="{DA3B015E-DA66-4413-8150-0CC285ED94BE}" destId="{F956E6F7-6E1B-45F7-B8FA-EE66FEC72842}" srcOrd="1" destOrd="0" parTransId="{F25B2BF9-E804-4D0A-AC71-CCCE1AE2B257}" sibTransId="{97F997E5-7D52-493B-BE4B-C713CA61BE3D}"/>
     <dgm:cxn modelId="{CD9A1032-703F-4671-895B-49EEE58BCAFB}" type="presOf" srcId="{09E1BE22-C747-4720-86D2-4F1E84900F5E}" destId="{287D3A8C-DB02-4CC6-A1B6-3DF0616EFC5F}" srcOrd="1" destOrd="0" presId="urn:microsoft.com/office/officeart/2005/8/layout/pyramid1"/>
     <dgm:cxn modelId="{561BE2D9-62E3-4EFB-B234-7965A1798DE9}" srcId="{DA3B015E-DA66-4413-8150-0CC285ED94BE}" destId="{BFA7FD9F-B26B-4722-B419-A8359651813A}" srcOrd="2" destOrd="0" parTransId="{4B68703D-F7CA-490C-888F-6DC87DAB8A29}" sibTransId="{37DA3F8C-5830-443E-A8DF-31B65242809E}"/>
-    <dgm:cxn modelId="{3F6148D9-2C06-4447-A2B7-9BEFC72B6406}" type="presOf" srcId="{F956E6F7-6E1B-45F7-B8FA-EE66FEC72842}" destId="{C26EC472-C5FA-47F0-94F9-58F612E52849}" srcOrd="1" destOrd="0" presId="urn:microsoft.com/office/officeart/2005/8/layout/pyramid1"/>
-    <dgm:cxn modelId="{1B5C0CD6-C376-4DEB-BDF8-C382FE3CB230}" srcId="{DA3B015E-DA66-4413-8150-0CC285ED94BE}" destId="{09E1BE22-C747-4720-86D2-4F1E84900F5E}" srcOrd="3" destOrd="0" parTransId="{FB2B5456-C7C8-4E34-9DB0-588E4C3C9C08}" sibTransId="{EC4AD7F0-1B60-4D05-B9BE-C5AABAAC5307}"/>
-    <dgm:cxn modelId="{B0BFCB5E-C605-4621-BEF9-32D78D756A24}" type="presOf" srcId="{BFA7FD9F-B26B-4722-B419-A8359651813A}" destId="{A601C242-817D-48CD-9A5A-8B13C9FB8A49}" srcOrd="1" destOrd="0" presId="urn:microsoft.com/office/officeart/2005/8/layout/pyramid1"/>
-    <dgm:cxn modelId="{BB8B018A-7CCC-444A-9047-3D3033874CD8}" type="presOf" srcId="{09E1BE22-C747-4720-86D2-4F1E84900F5E}" destId="{2EBBB0E1-C60C-4122-A921-77E5E1B72297}" srcOrd="0" destOrd="0" presId="urn:microsoft.com/office/officeart/2005/8/layout/pyramid1"/>
-    <dgm:cxn modelId="{A18CEDA6-530E-4BF5-814F-C2108E4DC47B}" type="presOf" srcId="{BFA7FD9F-B26B-4722-B419-A8359651813A}" destId="{E9D95AF8-1CE7-458F-81A8-8251DF64DC8A}" srcOrd="0" destOrd="0" presId="urn:microsoft.com/office/officeart/2005/8/layout/pyramid1"/>
-    <dgm:cxn modelId="{ED364E7A-9082-46C5-A7DD-60F39B8CD271}" type="presOf" srcId="{60A08711-37A6-4A8D-833C-72F6B667F324}" destId="{F552940B-ADAB-4059-8EBA-BC96F7974443}" srcOrd="1" destOrd="0" presId="urn:microsoft.com/office/officeart/2005/8/layout/pyramid1"/>
-    <dgm:cxn modelId="{8390F06B-FC2A-4238-8091-0D8F3C39C8AF}" srcId="{DA3B015E-DA66-4413-8150-0CC285ED94BE}" destId="{60A08711-37A6-4A8D-833C-72F6B667F324}" srcOrd="0" destOrd="0" parTransId="{E97E7C6E-650F-41A2-AA1C-76D59B8C9B01}" sibTransId="{A77469E3-3334-4395-BB92-081D3C3D7D9F}"/>
-    <dgm:cxn modelId="{721D7498-F997-402A-90FF-8CE289F92BC6}" type="presOf" srcId="{F956E6F7-6E1B-45F7-B8FA-EE66FEC72842}" destId="{DD109EAC-E14A-48E3-BE7E-3FB98DAA5512}" srcOrd="0" destOrd="0" presId="urn:microsoft.com/office/officeart/2005/8/layout/pyramid1"/>
-    <dgm:cxn modelId="{87383DCC-C69D-424D-8279-005D3858939E}" type="presOf" srcId="{DA3B015E-DA66-4413-8150-0CC285ED94BE}" destId="{E256C31B-F6DF-4DF8-AE53-93521F7F7B06}" srcOrd="0" destOrd="0" presId="urn:microsoft.com/office/officeart/2005/8/layout/pyramid1"/>
-    <dgm:cxn modelId="{DAA541BE-BD89-492B-81F5-1B7CA940FDFC}" type="presOf" srcId="{60A08711-37A6-4A8D-833C-72F6B667F324}" destId="{FFF2A32B-B5C6-4477-BEDB-55EEEAF4350A}" srcOrd="0" destOrd="0" presId="urn:microsoft.com/office/officeart/2005/8/layout/pyramid1"/>
-    <dgm:cxn modelId="{0351480D-9346-4237-965A-F0B95ABA83BC}" srcId="{DA3B015E-DA66-4413-8150-0CC285ED94BE}" destId="{F956E6F7-6E1B-45F7-B8FA-EE66FEC72842}" srcOrd="1" destOrd="0" parTransId="{F25B2BF9-E804-4D0A-AC71-CCCE1AE2B257}" sibTransId="{97F997E5-7D52-493B-BE4B-C713CA61BE3D}"/>
     <dgm:cxn modelId="{451E856D-2EEF-42AC-8E65-65885498107C}" type="presParOf" srcId="{E256C31B-F6DF-4DF8-AE53-93521F7F7B06}" destId="{31CCE1C1-02B3-48E1-A783-02DC9B6EE0A5}" srcOrd="0" destOrd="0" presId="urn:microsoft.com/office/officeart/2005/8/layout/pyramid1"/>
     <dgm:cxn modelId="{4A50F6FF-1286-4867-95F8-82C2B6BE6FA4}" type="presParOf" srcId="{31CCE1C1-02B3-48E1-A783-02DC9B6EE0A5}" destId="{FFF2A32B-B5C6-4477-BEDB-55EEEAF4350A}" srcOrd="0" destOrd="0" presId="urn:microsoft.com/office/officeart/2005/8/layout/pyramid1"/>
     <dgm:cxn modelId="{3EE1A7B2-EBA3-4587-A127-B65A5E402DE4}" type="presParOf" srcId="{31CCE1C1-02B3-48E1-A783-02DC9B6EE0A5}" destId="{F552940B-ADAB-4059-8EBA-BC96F7974443}" srcOrd="1" destOrd="0" presId="urn:microsoft.com/office/officeart/2005/8/layout/pyramid1"/>
@@ -2688,6 +2707,7 @@
           <a:p>
             <a:fld id="{CAC6FBC6-5D87-499C-B7CC-AD672A6D2ADB}" type="datetimeFigureOut">
               <a:rPr lang="ko-KR" altLang="en-US" smtClean="0"/>
+              <a:pPr/>
               <a:t>2021-05-20</a:t>
             </a:fld>
             <a:endParaRPr lang="ko-KR" altLang="en-US"/>
@@ -2730,6 +2750,7 @@
           <a:p>
             <a:fld id="{CE9375A5-0EEE-4752-A8C9-CE9931612FF4}" type="slidenum">
               <a:rPr lang="ko-KR" altLang="en-US" smtClean="0"/>
+              <a:pPr/>
               <a:t>‹#›</a:t>
             </a:fld>
             <a:endParaRPr lang="ko-KR" altLang="en-US"/>
@@ -2853,6 +2874,7 @@
           <a:p>
             <a:fld id="{CAC6FBC6-5D87-499C-B7CC-AD672A6D2ADB}" type="datetimeFigureOut">
               <a:rPr lang="ko-KR" altLang="en-US" smtClean="0"/>
+              <a:pPr/>
               <a:t>2021-05-20</a:t>
             </a:fld>
             <a:endParaRPr lang="ko-KR" altLang="en-US"/>
@@ -2895,6 +2917,7 @@
           <a:p>
             <a:fld id="{CE9375A5-0EEE-4752-A8C9-CE9931612FF4}" type="slidenum">
               <a:rPr lang="ko-KR" altLang="en-US" smtClean="0"/>
+              <a:pPr/>
               <a:t>‹#›</a:t>
             </a:fld>
             <a:endParaRPr lang="ko-KR" altLang="en-US"/>
@@ -3028,6 +3051,7 @@
           <a:p>
             <a:fld id="{CAC6FBC6-5D87-499C-B7CC-AD672A6D2ADB}" type="datetimeFigureOut">
               <a:rPr lang="ko-KR" altLang="en-US" smtClean="0"/>
+              <a:pPr/>
               <a:t>2021-05-20</a:t>
             </a:fld>
             <a:endParaRPr lang="ko-KR" altLang="en-US"/>
@@ -3070,6 +3094,7 @@
           <a:p>
             <a:fld id="{CE9375A5-0EEE-4752-A8C9-CE9931612FF4}" type="slidenum">
               <a:rPr lang="ko-KR" altLang="en-US" smtClean="0"/>
+              <a:pPr/>
               <a:t>‹#›</a:t>
             </a:fld>
             <a:endParaRPr lang="ko-KR" altLang="en-US"/>
@@ -3193,6 +3218,7 @@
           <a:p>
             <a:fld id="{CAC6FBC6-5D87-499C-B7CC-AD672A6D2ADB}" type="datetimeFigureOut">
               <a:rPr lang="ko-KR" altLang="en-US" smtClean="0"/>
+              <a:pPr/>
               <a:t>2021-05-20</a:t>
             </a:fld>
             <a:endParaRPr lang="ko-KR" altLang="en-US"/>
@@ -3235,6 +3261,7 @@
           <a:p>
             <a:fld id="{CE9375A5-0EEE-4752-A8C9-CE9931612FF4}" type="slidenum">
               <a:rPr lang="ko-KR" altLang="en-US" smtClean="0"/>
+              <a:pPr/>
               <a:t>‹#›</a:t>
             </a:fld>
             <a:endParaRPr lang="ko-KR" altLang="en-US"/>
@@ -3434,6 +3461,7 @@
           <a:p>
             <a:fld id="{CAC6FBC6-5D87-499C-B7CC-AD672A6D2ADB}" type="datetimeFigureOut">
               <a:rPr lang="ko-KR" altLang="en-US" smtClean="0"/>
+              <a:pPr/>
               <a:t>2021-05-20</a:t>
             </a:fld>
             <a:endParaRPr lang="ko-KR" altLang="en-US"/>
@@ -3476,6 +3504,7 @@
           <a:p>
             <a:fld id="{CE9375A5-0EEE-4752-A8C9-CE9931612FF4}" type="slidenum">
               <a:rPr lang="ko-KR" altLang="en-US" smtClean="0"/>
+              <a:pPr/>
               <a:t>‹#›</a:t>
             </a:fld>
             <a:endParaRPr lang="ko-KR" altLang="en-US"/>
@@ -3717,6 +3746,7 @@
           <a:p>
             <a:fld id="{CAC6FBC6-5D87-499C-B7CC-AD672A6D2ADB}" type="datetimeFigureOut">
               <a:rPr lang="ko-KR" altLang="en-US" smtClean="0"/>
+              <a:pPr/>
               <a:t>2021-05-20</a:t>
             </a:fld>
             <a:endParaRPr lang="ko-KR" altLang="en-US"/>
@@ -3759,6 +3789,7 @@
           <a:p>
             <a:fld id="{CE9375A5-0EEE-4752-A8C9-CE9931612FF4}" type="slidenum">
               <a:rPr lang="ko-KR" altLang="en-US" smtClean="0"/>
+              <a:pPr/>
               <a:t>‹#›</a:t>
             </a:fld>
             <a:endParaRPr lang="ko-KR" altLang="en-US"/>
@@ -4134,6 +4165,7 @@
           <a:p>
             <a:fld id="{CAC6FBC6-5D87-499C-B7CC-AD672A6D2ADB}" type="datetimeFigureOut">
               <a:rPr lang="ko-KR" altLang="en-US" smtClean="0"/>
+              <a:pPr/>
               <a:t>2021-05-20</a:t>
             </a:fld>
             <a:endParaRPr lang="ko-KR" altLang="en-US"/>
@@ -4176,6 +4208,7 @@
           <a:p>
             <a:fld id="{CE9375A5-0EEE-4752-A8C9-CE9931612FF4}" type="slidenum">
               <a:rPr lang="ko-KR" altLang="en-US" smtClean="0"/>
+              <a:pPr/>
               <a:t>‹#›</a:t>
             </a:fld>
             <a:endParaRPr lang="ko-KR" altLang="en-US"/>
@@ -4247,6 +4280,7 @@
           <a:p>
             <a:fld id="{CAC6FBC6-5D87-499C-B7CC-AD672A6D2ADB}" type="datetimeFigureOut">
               <a:rPr lang="ko-KR" altLang="en-US" smtClean="0"/>
+              <a:pPr/>
               <a:t>2021-05-20</a:t>
             </a:fld>
             <a:endParaRPr lang="ko-KR" altLang="en-US"/>
@@ -4289,6 +4323,7 @@
           <a:p>
             <a:fld id="{CE9375A5-0EEE-4752-A8C9-CE9931612FF4}" type="slidenum">
               <a:rPr lang="ko-KR" altLang="en-US" smtClean="0"/>
+              <a:pPr/>
               <a:t>‹#›</a:t>
             </a:fld>
             <a:endParaRPr lang="ko-KR" altLang="en-US"/>
@@ -4337,6 +4372,7 @@
           <a:p>
             <a:fld id="{CAC6FBC6-5D87-499C-B7CC-AD672A6D2ADB}" type="datetimeFigureOut">
               <a:rPr lang="ko-KR" altLang="en-US" smtClean="0"/>
+              <a:pPr/>
               <a:t>2021-05-20</a:t>
             </a:fld>
             <a:endParaRPr lang="ko-KR" altLang="en-US"/>
@@ -4379,6 +4415,7 @@
           <a:p>
             <a:fld id="{CE9375A5-0EEE-4752-A8C9-CE9931612FF4}" type="slidenum">
               <a:rPr lang="ko-KR" altLang="en-US" smtClean="0"/>
+              <a:pPr/>
               <a:t>‹#›</a:t>
             </a:fld>
             <a:endParaRPr lang="ko-KR" altLang="en-US"/>
@@ -4609,6 +4646,7 @@
           <a:p>
             <a:fld id="{CAC6FBC6-5D87-499C-B7CC-AD672A6D2ADB}" type="datetimeFigureOut">
               <a:rPr lang="ko-KR" altLang="en-US" smtClean="0"/>
+              <a:pPr/>
               <a:t>2021-05-20</a:t>
             </a:fld>
             <a:endParaRPr lang="ko-KR" altLang="en-US"/>
@@ -4651,6 +4689,7 @@
           <a:p>
             <a:fld id="{CE9375A5-0EEE-4752-A8C9-CE9931612FF4}" type="slidenum">
               <a:rPr lang="ko-KR" altLang="en-US" smtClean="0"/>
+              <a:pPr/>
               <a:t>‹#›</a:t>
             </a:fld>
             <a:endParaRPr lang="ko-KR" altLang="en-US"/>
@@ -4857,6 +4896,7 @@
           <a:p>
             <a:fld id="{CAC6FBC6-5D87-499C-B7CC-AD672A6D2ADB}" type="datetimeFigureOut">
               <a:rPr lang="ko-KR" altLang="en-US" smtClean="0"/>
+              <a:pPr/>
               <a:t>2021-05-20</a:t>
             </a:fld>
             <a:endParaRPr lang="ko-KR" altLang="en-US"/>
@@ -4899,6 +4939,7 @@
           <a:p>
             <a:fld id="{CE9375A5-0EEE-4752-A8C9-CE9931612FF4}" type="slidenum">
               <a:rPr lang="ko-KR" altLang="en-US" smtClean="0"/>
+              <a:pPr/>
               <a:t>‹#›</a:t>
             </a:fld>
             <a:endParaRPr lang="ko-KR" altLang="en-US"/>
@@ -5065,6 +5106,7 @@
           <a:p>
             <a:fld id="{CAC6FBC6-5D87-499C-B7CC-AD672A6D2ADB}" type="datetimeFigureOut">
               <a:rPr lang="ko-KR" altLang="en-US" smtClean="0"/>
+              <a:pPr/>
               <a:t>2021-05-20</a:t>
             </a:fld>
             <a:endParaRPr lang="ko-KR" altLang="en-US"/>
@@ -5143,6 +5185,7 @@
           <a:p>
             <a:fld id="{CE9375A5-0EEE-4752-A8C9-CE9931612FF4}" type="slidenum">
               <a:rPr lang="ko-KR" altLang="en-US" smtClean="0"/>
+              <a:pPr/>
               <a:t>‹#›</a:t>
             </a:fld>
             <a:endParaRPr lang="ko-KR" altLang="en-US"/>
@@ -5459,6 +5502,1064 @@
 </p:sld>
 </file>
 
+<file path=ppt/slides/slide10.xml><?xml version="1.0" encoding="utf-8"?>
+<p:sld xmlns:a="http://schemas.openxmlformats.org/drawingml/2006/main" xmlns:r="http://schemas.openxmlformats.org/officeDocument/2006/relationships" xmlns:p="http://schemas.openxmlformats.org/presentationml/2006/main">
+  <p:cSld>
+    <p:spTree>
+      <p:nvGrpSpPr>
+        <p:cNvPr id="1" name=""/>
+        <p:cNvGrpSpPr/>
+        <p:nvPr/>
+      </p:nvGrpSpPr>
+      <p:grpSpPr>
+        <a:xfrm>
+          <a:off x="0" y="0"/>
+          <a:ext cx="0" cy="0"/>
+          <a:chOff x="0" y="0"/>
+          <a:chExt cx="0" cy="0"/>
+        </a:xfrm>
+      </p:grpSpPr>
+      <p:sp>
+        <p:nvSpPr>
+          <p:cNvPr id="33" name="직사각형 32"/>
+          <p:cNvSpPr/>
+          <p:nvPr/>
+        </p:nvSpPr>
+        <p:spPr>
+          <a:xfrm>
+            <a:off x="6786578" y="1142984"/>
+            <a:ext cx="928694" cy="4000528"/>
+          </a:xfrm>
+          <a:prstGeom prst="rect">
+            <a:avLst/>
+          </a:prstGeom>
+        </p:spPr>
+        <p:style>
+          <a:lnRef idx="3">
+            <a:schemeClr val="lt1"/>
+          </a:lnRef>
+          <a:fillRef idx="1">
+            <a:schemeClr val="dk1"/>
+          </a:fillRef>
+          <a:effectRef idx="1">
+            <a:schemeClr val="dk1"/>
+          </a:effectRef>
+          <a:fontRef idx="minor">
+            <a:schemeClr val="lt1"/>
+          </a:fontRef>
+        </p:style>
+        <p:txBody>
+          <a:bodyPr rtlCol="0" anchor="ctr"/>
+          <a:lstStyle/>
+          <a:p>
+            <a:pPr algn="ctr"/>
+            <a:endParaRPr lang="ko-KR" altLang="en-US"/>
+          </a:p>
+        </p:txBody>
+      </p:sp>
+      <p:cxnSp>
+        <p:nvCxnSpPr>
+          <p:cNvPr id="39" name="직선 화살표 연결선 38"/>
+          <p:cNvCxnSpPr>
+            <a:stCxn id="40" idx="3"/>
+            <a:endCxn id="44" idx="1"/>
+          </p:cNvCxnSpPr>
+          <p:nvPr/>
+        </p:nvCxnSpPr>
+        <p:spPr>
+          <a:xfrm flipV="1">
+            <a:off x="1643042" y="2402674"/>
+            <a:ext cx="604566" cy="9525"/>
+          </a:xfrm>
+          <a:prstGeom prst="straightConnector1">
+            <a:avLst/>
+          </a:prstGeom>
+          <a:ln>
+            <a:tailEnd type="arrow"/>
+          </a:ln>
+        </p:spPr>
+        <p:style>
+          <a:lnRef idx="3">
+            <a:schemeClr val="accent5"/>
+          </a:lnRef>
+          <a:fillRef idx="0">
+            <a:schemeClr val="accent5"/>
+          </a:fillRef>
+          <a:effectRef idx="2">
+            <a:schemeClr val="accent5"/>
+          </a:effectRef>
+          <a:fontRef idx="minor">
+            <a:schemeClr val="tx1"/>
+          </a:fontRef>
+        </p:style>
+      </p:cxnSp>
+      <p:sp>
+        <p:nvSpPr>
+          <p:cNvPr id="40" name="직사각형 39"/>
+          <p:cNvSpPr/>
+          <p:nvPr/>
+        </p:nvSpPr>
+        <p:spPr>
+          <a:xfrm>
+            <a:off x="31400" y="1428736"/>
+            <a:ext cx="1611642" cy="1966926"/>
+          </a:xfrm>
+          <a:prstGeom prst="rect">
+            <a:avLst/>
+          </a:prstGeom>
+        </p:spPr>
+        <p:style>
+          <a:lnRef idx="2">
+            <a:schemeClr val="accent2"/>
+          </a:lnRef>
+          <a:fillRef idx="1">
+            <a:schemeClr val="lt1"/>
+          </a:fillRef>
+          <a:effectRef idx="0">
+            <a:schemeClr val="accent2"/>
+          </a:effectRef>
+          <a:fontRef idx="minor">
+            <a:schemeClr val="dk1"/>
+          </a:fontRef>
+        </p:style>
+        <p:txBody>
+          <a:bodyPr rtlCol="0" anchor="ctr"/>
+          <a:lstStyle/>
+          <a:p>
+            <a:pPr algn="ctr"/>
+            <a:r>
+              <a:rPr lang="en-US" altLang="ko-KR" dirty="0" err="1" smtClean="0"/>
+              <a:t>cpu</a:t>
+            </a:r>
+            <a:endParaRPr lang="ko-KR" altLang="en-US" dirty="0"/>
+          </a:p>
+        </p:txBody>
+      </p:sp>
+      <p:sp>
+        <p:nvSpPr>
+          <p:cNvPr id="41" name="직사각형 40"/>
+          <p:cNvSpPr/>
+          <p:nvPr/>
+        </p:nvSpPr>
+        <p:spPr>
+          <a:xfrm>
+            <a:off x="4071934" y="2928934"/>
+            <a:ext cx="714380" cy="319090"/>
+          </a:xfrm>
+          <a:prstGeom prst="rect">
+            <a:avLst/>
+          </a:prstGeom>
+        </p:spPr>
+        <p:style>
+          <a:lnRef idx="2">
+            <a:schemeClr val="accent2"/>
+          </a:lnRef>
+          <a:fillRef idx="1">
+            <a:schemeClr val="lt1"/>
+          </a:fillRef>
+          <a:effectRef idx="0">
+            <a:schemeClr val="accent2"/>
+          </a:effectRef>
+          <a:fontRef idx="minor">
+            <a:schemeClr val="dk1"/>
+          </a:fontRef>
+        </p:style>
+        <p:txBody>
+          <a:bodyPr rtlCol="0" anchor="ctr"/>
+          <a:lstStyle/>
+          <a:p>
+            <a:pPr algn="ctr"/>
+            <a:r>
+              <a:rPr lang="en-US" altLang="ko-KR" dirty="0" smtClean="0"/>
+              <a:t>1000</a:t>
+            </a:r>
+            <a:endParaRPr lang="ko-KR" altLang="en-US" dirty="0"/>
+          </a:p>
+        </p:txBody>
+      </p:sp>
+      <p:sp>
+        <p:nvSpPr>
+          <p:cNvPr id="42" name="직사각형 41"/>
+          <p:cNvSpPr/>
+          <p:nvPr/>
+        </p:nvSpPr>
+        <p:spPr>
+          <a:xfrm>
+            <a:off x="4071934" y="3257549"/>
+            <a:ext cx="714380" cy="319090"/>
+          </a:xfrm>
+          <a:prstGeom prst="rect">
+            <a:avLst/>
+          </a:prstGeom>
+        </p:spPr>
+        <p:style>
+          <a:lnRef idx="2">
+            <a:schemeClr val="accent2"/>
+          </a:lnRef>
+          <a:fillRef idx="1">
+            <a:schemeClr val="lt1"/>
+          </a:fillRef>
+          <a:effectRef idx="0">
+            <a:schemeClr val="accent2"/>
+          </a:effectRef>
+          <a:fontRef idx="minor">
+            <a:schemeClr val="dk1"/>
+          </a:fontRef>
+        </p:style>
+        <p:txBody>
+          <a:bodyPr rtlCol="0" anchor="ctr"/>
+          <a:lstStyle/>
+          <a:p>
+            <a:pPr algn="ctr"/>
+            <a:r>
+              <a:rPr lang="en-US" altLang="ko-KR" dirty="0" smtClean="0"/>
+              <a:t>400</a:t>
+            </a:r>
+            <a:endParaRPr lang="ko-KR" altLang="en-US" dirty="0"/>
+          </a:p>
+        </p:txBody>
+      </p:sp>
+      <p:sp>
+        <p:nvSpPr>
+          <p:cNvPr id="43" name="직사각형 42"/>
+          <p:cNvSpPr/>
+          <p:nvPr/>
+        </p:nvSpPr>
+        <p:spPr>
+          <a:xfrm>
+            <a:off x="4071934" y="3586164"/>
+            <a:ext cx="714380" cy="319090"/>
+          </a:xfrm>
+          <a:prstGeom prst="rect">
+            <a:avLst/>
+          </a:prstGeom>
+        </p:spPr>
+        <p:style>
+          <a:lnRef idx="2">
+            <a:schemeClr val="accent2"/>
+          </a:lnRef>
+          <a:fillRef idx="1">
+            <a:schemeClr val="lt1"/>
+          </a:fillRef>
+          <a:effectRef idx="0">
+            <a:schemeClr val="accent2"/>
+          </a:effectRef>
+          <a:fontRef idx="minor">
+            <a:schemeClr val="dk1"/>
+          </a:fontRef>
+        </p:style>
+        <p:txBody>
+          <a:bodyPr rtlCol="0" anchor="ctr"/>
+          <a:lstStyle/>
+          <a:p>
+            <a:pPr algn="ctr"/>
+            <a:r>
+              <a:rPr lang="en-US" altLang="ko-KR" dirty="0" smtClean="0"/>
+              <a:t>700</a:t>
+            </a:r>
+            <a:endParaRPr lang="ko-KR" altLang="en-US" dirty="0"/>
+          </a:p>
+        </p:txBody>
+      </p:sp>
+      <p:sp>
+        <p:nvSpPr>
+          <p:cNvPr id="44" name="직사각형 43"/>
+          <p:cNvSpPr/>
+          <p:nvPr/>
+        </p:nvSpPr>
+        <p:spPr>
+          <a:xfrm>
+            <a:off x="2247608" y="2243129"/>
+            <a:ext cx="245746" cy="319090"/>
+          </a:xfrm>
+          <a:prstGeom prst="rect">
+            <a:avLst/>
+          </a:prstGeom>
+        </p:spPr>
+        <p:style>
+          <a:lnRef idx="2">
+            <a:schemeClr val="accent2"/>
+          </a:lnRef>
+          <a:fillRef idx="1">
+            <a:schemeClr val="lt1"/>
+          </a:fillRef>
+          <a:effectRef idx="0">
+            <a:schemeClr val="accent2"/>
+          </a:effectRef>
+          <a:fontRef idx="minor">
+            <a:schemeClr val="dk1"/>
+          </a:fontRef>
+        </p:style>
+        <p:txBody>
+          <a:bodyPr rtlCol="0" anchor="ctr"/>
+          <a:lstStyle/>
+          <a:p>
+            <a:pPr algn="ctr"/>
+            <a:r>
+              <a:rPr lang="en-US" altLang="ko-KR" dirty="0" smtClean="0"/>
+              <a:t>2</a:t>
+            </a:r>
+            <a:endParaRPr lang="ko-KR" altLang="en-US" dirty="0"/>
+          </a:p>
+        </p:txBody>
+      </p:sp>
+      <p:sp>
+        <p:nvSpPr>
+          <p:cNvPr id="45" name="직사각형 44"/>
+          <p:cNvSpPr/>
+          <p:nvPr/>
+        </p:nvSpPr>
+        <p:spPr>
+          <a:xfrm>
+            <a:off x="2514310" y="2243129"/>
+            <a:ext cx="700368" cy="319090"/>
+          </a:xfrm>
+          <a:prstGeom prst="rect">
+            <a:avLst/>
+          </a:prstGeom>
+        </p:spPr>
+        <p:style>
+          <a:lnRef idx="2">
+            <a:schemeClr val="accent2"/>
+          </a:lnRef>
+          <a:fillRef idx="1">
+            <a:schemeClr val="lt1"/>
+          </a:fillRef>
+          <a:effectRef idx="0">
+            <a:schemeClr val="accent2"/>
+          </a:effectRef>
+          <a:fontRef idx="minor">
+            <a:schemeClr val="dk1"/>
+          </a:fontRef>
+        </p:style>
+        <p:txBody>
+          <a:bodyPr rtlCol="0" anchor="ctr"/>
+          <a:lstStyle/>
+          <a:p>
+            <a:pPr algn="ctr"/>
+            <a:r>
+              <a:rPr lang="en-US" altLang="ko-KR" dirty="0" smtClean="0"/>
+              <a:t>100</a:t>
+            </a:r>
+            <a:endParaRPr lang="ko-KR" altLang="en-US" dirty="0"/>
+          </a:p>
+        </p:txBody>
+      </p:sp>
+      <p:cxnSp>
+        <p:nvCxnSpPr>
+          <p:cNvPr id="46" name="꺾인 연결선 89"/>
+          <p:cNvCxnSpPr>
+            <a:stCxn id="44" idx="2"/>
+            <a:endCxn id="85" idx="1"/>
+          </p:cNvCxnSpPr>
+          <p:nvPr/>
+        </p:nvCxnSpPr>
+        <p:spPr>
+          <a:xfrm rot="16200000" flipH="1">
+            <a:off x="2123980" y="2808719"/>
+            <a:ext cx="1194323" cy="701321"/>
+          </a:xfrm>
+          <a:prstGeom prst="bentConnector2">
+            <a:avLst/>
+          </a:prstGeom>
+          <a:ln>
+            <a:tailEnd type="arrow"/>
+          </a:ln>
+        </p:spPr>
+        <p:style>
+          <a:lnRef idx="3">
+            <a:schemeClr val="accent5"/>
+          </a:lnRef>
+          <a:fillRef idx="0">
+            <a:schemeClr val="accent5"/>
+          </a:fillRef>
+          <a:effectRef idx="2">
+            <a:schemeClr val="accent5"/>
+          </a:effectRef>
+          <a:fontRef idx="minor">
+            <a:schemeClr val="tx1"/>
+          </a:fontRef>
+        </p:style>
+      </p:cxnSp>
+      <p:sp>
+        <p:nvSpPr>
+          <p:cNvPr id="47" name="직사각형 46"/>
+          <p:cNvSpPr/>
+          <p:nvPr/>
+        </p:nvSpPr>
+        <p:spPr>
+          <a:xfrm>
+            <a:off x="6811819" y="2857496"/>
+            <a:ext cx="874878" cy="1038232"/>
+          </a:xfrm>
+          <a:prstGeom prst="rect">
+            <a:avLst/>
+          </a:prstGeom>
+        </p:spPr>
+        <p:style>
+          <a:lnRef idx="2">
+            <a:schemeClr val="accent2"/>
+          </a:lnRef>
+          <a:fillRef idx="1">
+            <a:schemeClr val="lt1"/>
+          </a:fillRef>
+          <a:effectRef idx="0">
+            <a:schemeClr val="accent2"/>
+          </a:effectRef>
+          <a:fontRef idx="minor">
+            <a:schemeClr val="dk1"/>
+          </a:fontRef>
+        </p:style>
+        <p:txBody>
+          <a:bodyPr rtlCol="0" anchor="ctr"/>
+          <a:lstStyle/>
+          <a:p>
+            <a:pPr algn="ctr"/>
+            <a:endParaRPr lang="en-US" altLang="ko-KR" dirty="0" smtClean="0"/>
+          </a:p>
+        </p:txBody>
+      </p:sp>
+      <p:cxnSp>
+        <p:nvCxnSpPr>
+          <p:cNvPr id="49" name="꺾인 연결선 48"/>
+          <p:cNvCxnSpPr>
+            <a:stCxn id="43" idx="3"/>
+            <a:endCxn id="78" idx="1"/>
+          </p:cNvCxnSpPr>
+          <p:nvPr/>
+        </p:nvCxnSpPr>
+        <p:spPr>
+          <a:xfrm flipV="1">
+            <a:off x="4786314" y="1571612"/>
+            <a:ext cx="2025505" cy="2174097"/>
+          </a:xfrm>
+          <a:prstGeom prst="bentConnector3">
+            <a:avLst>
+              <a:gd name="adj1" fmla="val 50000"/>
+            </a:avLst>
+          </a:prstGeom>
+          <a:ln>
+            <a:tailEnd type="arrow"/>
+          </a:ln>
+        </p:spPr>
+        <p:style>
+          <a:lnRef idx="3">
+            <a:schemeClr val="accent5"/>
+          </a:lnRef>
+          <a:fillRef idx="0">
+            <a:schemeClr val="accent5"/>
+          </a:fillRef>
+          <a:effectRef idx="2">
+            <a:schemeClr val="accent5"/>
+          </a:effectRef>
+          <a:fontRef idx="minor">
+            <a:schemeClr val="tx1"/>
+          </a:fontRef>
+        </p:style>
+      </p:cxnSp>
+      <p:sp>
+        <p:nvSpPr>
+          <p:cNvPr id="50" name="TextBox 49"/>
+          <p:cNvSpPr txBox="1"/>
+          <p:nvPr/>
+        </p:nvSpPr>
+        <p:spPr>
+          <a:xfrm>
+            <a:off x="2214546" y="1857364"/>
+            <a:ext cx="284052" cy="369332"/>
+          </a:xfrm>
+          <a:prstGeom prst="rect">
+            <a:avLst/>
+          </a:prstGeom>
+          <a:noFill/>
+        </p:spPr>
+        <p:txBody>
+          <a:bodyPr wrap="none" rtlCol="0">
+            <a:spAutoFit/>
+          </a:bodyPr>
+          <a:lstStyle/>
+          <a:p>
+            <a:r>
+              <a:rPr lang="en-US" altLang="ko-KR" dirty="0" err="1" smtClean="0"/>
+              <a:t>s</a:t>
+            </a:r>
+            <a:endParaRPr lang="ko-KR" altLang="en-US" dirty="0"/>
+          </a:p>
+        </p:txBody>
+      </p:sp>
+      <p:sp>
+        <p:nvSpPr>
+          <p:cNvPr id="51" name="TextBox 50"/>
+          <p:cNvSpPr txBox="1"/>
+          <p:nvPr/>
+        </p:nvSpPr>
+        <p:spPr>
+          <a:xfrm>
+            <a:off x="2500298" y="1857364"/>
+            <a:ext cx="324128" cy="369332"/>
+          </a:xfrm>
+          <a:prstGeom prst="rect">
+            <a:avLst/>
+          </a:prstGeom>
+          <a:noFill/>
+        </p:spPr>
+        <p:txBody>
+          <a:bodyPr wrap="none" rtlCol="0">
+            <a:spAutoFit/>
+          </a:bodyPr>
+          <a:lstStyle/>
+          <a:p>
+            <a:r>
+              <a:rPr lang="en-US" altLang="ko-KR" dirty="0"/>
+              <a:t>d</a:t>
+            </a:r>
+            <a:endParaRPr lang="ko-KR" altLang="en-US" dirty="0"/>
+          </a:p>
+        </p:txBody>
+      </p:sp>
+      <p:sp>
+        <p:nvSpPr>
+          <p:cNvPr id="54" name="직사각형 53"/>
+          <p:cNvSpPr/>
+          <p:nvPr/>
+        </p:nvSpPr>
+        <p:spPr>
+          <a:xfrm>
+            <a:off x="3357554" y="2928934"/>
+            <a:ext cx="714380" cy="319090"/>
+          </a:xfrm>
+          <a:prstGeom prst="rect">
+            <a:avLst/>
+          </a:prstGeom>
+        </p:spPr>
+        <p:style>
+          <a:lnRef idx="2">
+            <a:schemeClr val="accent2"/>
+          </a:lnRef>
+          <a:fillRef idx="1">
+            <a:schemeClr val="lt1"/>
+          </a:fillRef>
+          <a:effectRef idx="0">
+            <a:schemeClr val="accent2"/>
+          </a:effectRef>
+          <a:fontRef idx="minor">
+            <a:schemeClr val="dk1"/>
+          </a:fontRef>
+        </p:style>
+        <p:txBody>
+          <a:bodyPr rtlCol="0" anchor="ctr"/>
+          <a:lstStyle/>
+          <a:p>
+            <a:pPr algn="ctr"/>
+            <a:r>
+              <a:rPr lang="en-US" altLang="ko-KR" dirty="0" smtClean="0"/>
+              <a:t>1400</a:t>
+            </a:r>
+            <a:endParaRPr lang="ko-KR" altLang="en-US" dirty="0"/>
+          </a:p>
+        </p:txBody>
+      </p:sp>
+      <p:sp>
+        <p:nvSpPr>
+          <p:cNvPr id="55" name="직사각형 54"/>
+          <p:cNvSpPr/>
+          <p:nvPr/>
+        </p:nvSpPr>
+        <p:spPr>
+          <a:xfrm>
+            <a:off x="3357554" y="3257549"/>
+            <a:ext cx="714380" cy="319090"/>
+          </a:xfrm>
+          <a:prstGeom prst="rect">
+            <a:avLst/>
+          </a:prstGeom>
+        </p:spPr>
+        <p:style>
+          <a:lnRef idx="2">
+            <a:schemeClr val="accent2"/>
+          </a:lnRef>
+          <a:fillRef idx="1">
+            <a:schemeClr val="lt1"/>
+          </a:fillRef>
+          <a:effectRef idx="0">
+            <a:schemeClr val="accent2"/>
+          </a:effectRef>
+          <a:fontRef idx="minor">
+            <a:schemeClr val="dk1"/>
+          </a:fontRef>
+        </p:style>
+        <p:txBody>
+          <a:bodyPr rtlCol="0" anchor="ctr"/>
+          <a:lstStyle/>
+          <a:p>
+            <a:pPr algn="ctr"/>
+            <a:r>
+              <a:rPr lang="en-US" altLang="ko-KR" dirty="0" smtClean="0"/>
+              <a:t>2700</a:t>
+            </a:r>
+            <a:endParaRPr lang="ko-KR" altLang="en-US" dirty="0"/>
+          </a:p>
+        </p:txBody>
+      </p:sp>
+      <p:sp>
+        <p:nvSpPr>
+          <p:cNvPr id="56" name="직사각형 55"/>
+          <p:cNvSpPr/>
+          <p:nvPr/>
+        </p:nvSpPr>
+        <p:spPr>
+          <a:xfrm>
+            <a:off x="3357554" y="3586164"/>
+            <a:ext cx="714380" cy="319090"/>
+          </a:xfrm>
+          <a:prstGeom prst="rect">
+            <a:avLst/>
+          </a:prstGeom>
+        </p:spPr>
+        <p:style>
+          <a:lnRef idx="2">
+            <a:schemeClr val="accent2"/>
+          </a:lnRef>
+          <a:fillRef idx="1">
+            <a:schemeClr val="lt1"/>
+          </a:fillRef>
+          <a:effectRef idx="0">
+            <a:schemeClr val="accent2"/>
+          </a:effectRef>
+          <a:fontRef idx="minor">
+            <a:schemeClr val="dk1"/>
+          </a:fontRef>
+        </p:style>
+        <p:txBody>
+          <a:bodyPr rtlCol="0" anchor="ctr"/>
+          <a:lstStyle/>
+          <a:p>
+            <a:pPr algn="ctr"/>
+            <a:r>
+              <a:rPr lang="en-US" altLang="ko-KR" dirty="0" smtClean="0"/>
+              <a:t>100</a:t>
+            </a:r>
+            <a:endParaRPr lang="ko-KR" altLang="en-US" dirty="0"/>
+          </a:p>
+        </p:txBody>
+      </p:sp>
+      <p:sp>
+        <p:nvSpPr>
+          <p:cNvPr id="60" name="직사각형 59"/>
+          <p:cNvSpPr/>
+          <p:nvPr/>
+        </p:nvSpPr>
+        <p:spPr>
+          <a:xfrm>
+            <a:off x="4071934" y="2643182"/>
+            <a:ext cx="714380" cy="319090"/>
+          </a:xfrm>
+          <a:prstGeom prst="rect">
+            <a:avLst/>
+          </a:prstGeom>
+        </p:spPr>
+        <p:style>
+          <a:lnRef idx="2">
+            <a:schemeClr val="accent2"/>
+          </a:lnRef>
+          <a:fillRef idx="1">
+            <a:schemeClr val="lt1"/>
+          </a:fillRef>
+          <a:effectRef idx="0">
+            <a:schemeClr val="accent2"/>
+          </a:effectRef>
+          <a:fontRef idx="minor">
+            <a:schemeClr val="dk1"/>
+          </a:fontRef>
+        </p:style>
+        <p:txBody>
+          <a:bodyPr rtlCol="0" anchor="ctr"/>
+          <a:lstStyle/>
+          <a:p>
+            <a:pPr algn="ctr"/>
+            <a:r>
+              <a:rPr lang="en-US" altLang="ko-KR" dirty="0" smtClean="0"/>
+              <a:t>limit</a:t>
+            </a:r>
+            <a:endParaRPr lang="ko-KR" altLang="en-US" dirty="0"/>
+          </a:p>
+        </p:txBody>
+      </p:sp>
+      <p:sp>
+        <p:nvSpPr>
+          <p:cNvPr id="61" name="직사각형 60"/>
+          <p:cNvSpPr/>
+          <p:nvPr/>
+        </p:nvSpPr>
+        <p:spPr>
+          <a:xfrm>
+            <a:off x="3357554" y="2643182"/>
+            <a:ext cx="714380" cy="319090"/>
+          </a:xfrm>
+          <a:prstGeom prst="rect">
+            <a:avLst/>
+          </a:prstGeom>
+        </p:spPr>
+        <p:style>
+          <a:lnRef idx="2">
+            <a:schemeClr val="accent2"/>
+          </a:lnRef>
+          <a:fillRef idx="1">
+            <a:schemeClr val="lt1"/>
+          </a:fillRef>
+          <a:effectRef idx="0">
+            <a:schemeClr val="accent2"/>
+          </a:effectRef>
+          <a:fontRef idx="minor">
+            <a:schemeClr val="dk1"/>
+          </a:fontRef>
+        </p:style>
+        <p:txBody>
+          <a:bodyPr rtlCol="0" anchor="ctr"/>
+          <a:lstStyle/>
+          <a:p>
+            <a:pPr algn="ctr"/>
+            <a:r>
+              <a:rPr lang="en-US" altLang="ko-KR" dirty="0" smtClean="0"/>
+              <a:t>base</a:t>
+            </a:r>
+            <a:endParaRPr lang="ko-KR" altLang="en-US" dirty="0"/>
+          </a:p>
+        </p:txBody>
+      </p:sp>
+      <p:sp>
+        <p:nvSpPr>
+          <p:cNvPr id="76" name="직사각형 75"/>
+          <p:cNvSpPr/>
+          <p:nvPr/>
+        </p:nvSpPr>
+        <p:spPr>
+          <a:xfrm>
+            <a:off x="6811819" y="4572008"/>
+            <a:ext cx="874878" cy="428628"/>
+          </a:xfrm>
+          <a:prstGeom prst="rect">
+            <a:avLst/>
+          </a:prstGeom>
+        </p:spPr>
+        <p:style>
+          <a:lnRef idx="2">
+            <a:schemeClr val="accent2"/>
+          </a:lnRef>
+          <a:fillRef idx="1">
+            <a:schemeClr val="lt1"/>
+          </a:fillRef>
+          <a:effectRef idx="0">
+            <a:schemeClr val="accent2"/>
+          </a:effectRef>
+          <a:fontRef idx="minor">
+            <a:schemeClr val="dk1"/>
+          </a:fontRef>
+        </p:style>
+        <p:txBody>
+          <a:bodyPr rtlCol="0" anchor="ctr"/>
+          <a:lstStyle/>
+          <a:p>
+            <a:pPr algn="ctr"/>
+            <a:endParaRPr lang="en-US" altLang="ko-KR" dirty="0" smtClean="0"/>
+          </a:p>
+        </p:txBody>
+      </p:sp>
+      <p:sp>
+        <p:nvSpPr>
+          <p:cNvPr id="78" name="직사각형 77"/>
+          <p:cNvSpPr/>
+          <p:nvPr/>
+        </p:nvSpPr>
+        <p:spPr>
+          <a:xfrm>
+            <a:off x="6811819" y="1285860"/>
+            <a:ext cx="874878" cy="571504"/>
+          </a:xfrm>
+          <a:prstGeom prst="rect">
+            <a:avLst/>
+          </a:prstGeom>
+        </p:spPr>
+        <p:style>
+          <a:lnRef idx="2">
+            <a:schemeClr val="accent2"/>
+          </a:lnRef>
+          <a:fillRef idx="1">
+            <a:schemeClr val="lt1"/>
+          </a:fillRef>
+          <a:effectRef idx="0">
+            <a:schemeClr val="accent2"/>
+          </a:effectRef>
+          <a:fontRef idx="minor">
+            <a:schemeClr val="dk1"/>
+          </a:fontRef>
+        </p:style>
+        <p:txBody>
+          <a:bodyPr rtlCol="0" anchor="ctr"/>
+          <a:lstStyle/>
+          <a:p>
+            <a:pPr algn="ctr"/>
+            <a:endParaRPr lang="en-US" altLang="ko-KR" dirty="0" smtClean="0"/>
+          </a:p>
+        </p:txBody>
+      </p:sp>
+      <p:sp>
+        <p:nvSpPr>
+          <p:cNvPr id="79" name="TextBox 78"/>
+          <p:cNvSpPr txBox="1"/>
+          <p:nvPr/>
+        </p:nvSpPr>
+        <p:spPr>
+          <a:xfrm>
+            <a:off x="7786710" y="1214422"/>
+            <a:ext cx="928694" cy="369332"/>
+          </a:xfrm>
+          <a:prstGeom prst="rect">
+            <a:avLst/>
+          </a:prstGeom>
+          <a:noFill/>
+        </p:spPr>
+        <p:txBody>
+          <a:bodyPr wrap="square" rtlCol="0">
+            <a:spAutoFit/>
+          </a:bodyPr>
+          <a:lstStyle/>
+          <a:p>
+            <a:r>
+              <a:rPr lang="en-US" altLang="ko-KR" dirty="0" smtClean="0"/>
+              <a:t>100</a:t>
+            </a:r>
+            <a:endParaRPr lang="ko-KR" altLang="en-US" dirty="0"/>
+          </a:p>
+        </p:txBody>
+      </p:sp>
+      <p:sp>
+        <p:nvSpPr>
+          <p:cNvPr id="80" name="TextBox 79"/>
+          <p:cNvSpPr txBox="1"/>
+          <p:nvPr/>
+        </p:nvSpPr>
+        <p:spPr>
+          <a:xfrm>
+            <a:off x="7786710" y="2714620"/>
+            <a:ext cx="928694" cy="369332"/>
+          </a:xfrm>
+          <a:prstGeom prst="rect">
+            <a:avLst/>
+          </a:prstGeom>
+          <a:noFill/>
+        </p:spPr>
+        <p:txBody>
+          <a:bodyPr wrap="square" rtlCol="0">
+            <a:spAutoFit/>
+          </a:bodyPr>
+          <a:lstStyle/>
+          <a:p>
+            <a:r>
+              <a:rPr lang="en-US" altLang="ko-KR" dirty="0" smtClean="0"/>
+              <a:t>1400</a:t>
+            </a:r>
+            <a:endParaRPr lang="ko-KR" altLang="en-US" dirty="0"/>
+          </a:p>
+        </p:txBody>
+      </p:sp>
+      <p:sp>
+        <p:nvSpPr>
+          <p:cNvPr id="81" name="TextBox 80"/>
+          <p:cNvSpPr txBox="1"/>
+          <p:nvPr/>
+        </p:nvSpPr>
+        <p:spPr>
+          <a:xfrm>
+            <a:off x="7786710" y="4429132"/>
+            <a:ext cx="928694" cy="369332"/>
+          </a:xfrm>
+          <a:prstGeom prst="rect">
+            <a:avLst/>
+          </a:prstGeom>
+          <a:noFill/>
+        </p:spPr>
+        <p:txBody>
+          <a:bodyPr wrap="square" rtlCol="0">
+            <a:spAutoFit/>
+          </a:bodyPr>
+          <a:lstStyle/>
+          <a:p>
+            <a:r>
+              <a:rPr lang="en-US" altLang="ko-KR" dirty="0" smtClean="0"/>
+              <a:t>2700</a:t>
+            </a:r>
+            <a:endParaRPr lang="ko-KR" altLang="en-US" dirty="0"/>
+          </a:p>
+        </p:txBody>
+      </p:sp>
+      <p:sp>
+        <p:nvSpPr>
+          <p:cNvPr id="83" name="TextBox 82"/>
+          <p:cNvSpPr txBox="1"/>
+          <p:nvPr/>
+        </p:nvSpPr>
+        <p:spPr>
+          <a:xfrm>
+            <a:off x="3071802" y="2928934"/>
+            <a:ext cx="311304" cy="369332"/>
+          </a:xfrm>
+          <a:prstGeom prst="rect">
+            <a:avLst/>
+          </a:prstGeom>
+          <a:noFill/>
+        </p:spPr>
+        <p:txBody>
+          <a:bodyPr wrap="none" rtlCol="0">
+            <a:spAutoFit/>
+          </a:bodyPr>
+          <a:lstStyle/>
+          <a:p>
+            <a:r>
+              <a:rPr lang="en-US" altLang="ko-KR" dirty="0" smtClean="0"/>
+              <a:t>0</a:t>
+            </a:r>
+            <a:endParaRPr lang="ko-KR" altLang="en-US" dirty="0"/>
+          </a:p>
+        </p:txBody>
+      </p:sp>
+      <p:sp>
+        <p:nvSpPr>
+          <p:cNvPr id="84" name="TextBox 83"/>
+          <p:cNvSpPr txBox="1"/>
+          <p:nvPr/>
+        </p:nvSpPr>
+        <p:spPr>
+          <a:xfrm>
+            <a:off x="3071802" y="3214686"/>
+            <a:ext cx="311304" cy="369332"/>
+          </a:xfrm>
+          <a:prstGeom prst="rect">
+            <a:avLst/>
+          </a:prstGeom>
+          <a:noFill/>
+        </p:spPr>
+        <p:txBody>
+          <a:bodyPr wrap="none" rtlCol="0">
+            <a:spAutoFit/>
+          </a:bodyPr>
+          <a:lstStyle/>
+          <a:p>
+            <a:r>
+              <a:rPr lang="en-US" altLang="ko-KR" dirty="0" smtClean="0"/>
+              <a:t>1</a:t>
+            </a:r>
+            <a:endParaRPr lang="ko-KR" altLang="en-US" dirty="0"/>
+          </a:p>
+        </p:txBody>
+      </p:sp>
+      <p:sp>
+        <p:nvSpPr>
+          <p:cNvPr id="85" name="TextBox 84"/>
+          <p:cNvSpPr txBox="1"/>
+          <p:nvPr/>
+        </p:nvSpPr>
+        <p:spPr>
+          <a:xfrm>
+            <a:off x="3071802" y="3571876"/>
+            <a:ext cx="311304" cy="369332"/>
+          </a:xfrm>
+          <a:prstGeom prst="rect">
+            <a:avLst/>
+          </a:prstGeom>
+          <a:noFill/>
+        </p:spPr>
+        <p:txBody>
+          <a:bodyPr wrap="none" rtlCol="0">
+            <a:spAutoFit/>
+          </a:bodyPr>
+          <a:lstStyle/>
+          <a:p>
+            <a:r>
+              <a:rPr lang="en-US" altLang="ko-KR" dirty="0" smtClean="0"/>
+              <a:t>2</a:t>
+            </a:r>
+            <a:endParaRPr lang="ko-KR" altLang="en-US" dirty="0"/>
+          </a:p>
+        </p:txBody>
+      </p:sp>
+      <p:cxnSp>
+        <p:nvCxnSpPr>
+          <p:cNvPr id="48" name="꺾인 연결선 97"/>
+          <p:cNvCxnSpPr>
+            <a:stCxn id="45" idx="0"/>
+            <a:endCxn id="78" idx="3"/>
+          </p:cNvCxnSpPr>
+          <p:nvPr/>
+        </p:nvCxnSpPr>
+        <p:spPr>
+          <a:xfrm rot="5400000" flipH="1" flipV="1">
+            <a:off x="4939837" y="-503730"/>
+            <a:ext cx="671517" cy="4822203"/>
+          </a:xfrm>
+          <a:prstGeom prst="bentConnector4">
+            <a:avLst>
+              <a:gd name="adj1" fmla="val 275530"/>
+              <a:gd name="adj2" fmla="val 104741"/>
+            </a:avLst>
+          </a:prstGeom>
+          <a:ln>
+            <a:tailEnd type="arrow"/>
+          </a:ln>
+        </p:spPr>
+        <p:style>
+          <a:lnRef idx="3">
+            <a:schemeClr val="accent5"/>
+          </a:lnRef>
+          <a:fillRef idx="0">
+            <a:schemeClr val="accent5"/>
+          </a:fillRef>
+          <a:effectRef idx="2">
+            <a:schemeClr val="accent5"/>
+          </a:effectRef>
+          <a:fontRef idx="minor">
+            <a:schemeClr val="tx1"/>
+          </a:fontRef>
+        </p:style>
+      </p:cxnSp>
+      <p:sp>
+        <p:nvSpPr>
+          <p:cNvPr id="97" name="TextBox 96"/>
+          <p:cNvSpPr txBox="1"/>
+          <p:nvPr/>
+        </p:nvSpPr>
+        <p:spPr>
+          <a:xfrm>
+            <a:off x="3118381" y="4000504"/>
+            <a:ext cx="1882247" cy="369332"/>
+          </a:xfrm>
+          <a:prstGeom prst="rect">
+            <a:avLst/>
+          </a:prstGeom>
+          <a:noFill/>
+        </p:spPr>
+        <p:txBody>
+          <a:bodyPr wrap="none" rtlCol="0">
+            <a:spAutoFit/>
+          </a:bodyPr>
+          <a:lstStyle/>
+          <a:p>
+            <a:r>
+              <a:rPr lang="ko-KR" altLang="en-US" smtClean="0"/>
+              <a:t>세그먼트 테이블</a:t>
+            </a:r>
+            <a:endParaRPr lang="ko-KR" altLang="en-US"/>
+          </a:p>
+        </p:txBody>
+      </p:sp>
+    </p:spTree>
+  </p:cSld>
+  <p:clrMapOvr>
+    <a:masterClrMapping/>
+  </p:clrMapOvr>
+</p:sld>
+</file>
+
 <file path=ppt/slides/slide2.xml><?xml version="1.0" encoding="utf-8"?>
 <p:sld xmlns:a="http://schemas.openxmlformats.org/drawingml/2006/main" xmlns:r="http://schemas.openxmlformats.org/officeDocument/2006/relationships" xmlns:p="http://schemas.openxmlformats.org/presentationml/2006/main">
   <p:cSld>
@@ -9846,6 +10947,2371 @@
             <a:r>
               <a:rPr lang="en-US" altLang="ko-KR" dirty="0"/>
               <a:t>d</a:t>
+            </a:r>
+            <a:endParaRPr lang="ko-KR" altLang="en-US" dirty="0"/>
+          </a:p>
+        </p:txBody>
+      </p:sp>
+    </p:spTree>
+  </p:cSld>
+  <p:clrMapOvr>
+    <a:masterClrMapping/>
+  </p:clrMapOvr>
+</p:sld>
+</file>
+
+<file path=ppt/slides/slide8.xml><?xml version="1.0" encoding="utf-8"?>
+<p:sld xmlns:a="http://schemas.openxmlformats.org/drawingml/2006/main" xmlns:r="http://schemas.openxmlformats.org/officeDocument/2006/relationships" xmlns:p="http://schemas.openxmlformats.org/presentationml/2006/main">
+  <p:cSld>
+    <p:spTree>
+      <p:nvGrpSpPr>
+        <p:cNvPr id="1" name=""/>
+        <p:cNvGrpSpPr/>
+        <p:nvPr/>
+      </p:nvGrpSpPr>
+      <p:grpSpPr>
+        <a:xfrm>
+          <a:off x="0" y="0"/>
+          <a:ext cx="0" cy="0"/>
+          <a:chOff x="0" y="0"/>
+          <a:chExt cx="0" cy="0"/>
+        </a:xfrm>
+      </p:grpSpPr>
+      <p:sp>
+        <p:nvSpPr>
+          <p:cNvPr id="4" name="직사각형 3"/>
+          <p:cNvSpPr/>
+          <p:nvPr/>
+        </p:nvSpPr>
+        <p:spPr>
+          <a:xfrm>
+            <a:off x="6357950" y="428604"/>
+            <a:ext cx="1714512" cy="6429396"/>
+          </a:xfrm>
+          <a:prstGeom prst="rect">
+            <a:avLst/>
+          </a:prstGeom>
+        </p:spPr>
+        <p:style>
+          <a:lnRef idx="3">
+            <a:schemeClr val="lt1"/>
+          </a:lnRef>
+          <a:fillRef idx="1">
+            <a:schemeClr val="dk1"/>
+          </a:fillRef>
+          <a:effectRef idx="1">
+            <a:schemeClr val="dk1"/>
+          </a:effectRef>
+          <a:fontRef idx="minor">
+            <a:schemeClr val="lt1"/>
+          </a:fontRef>
+        </p:style>
+        <p:txBody>
+          <a:bodyPr rtlCol="0" anchor="ctr"/>
+          <a:lstStyle/>
+          <a:p>
+            <a:pPr algn="ctr"/>
+            <a:endParaRPr lang="ko-KR" altLang="en-US"/>
+          </a:p>
+        </p:txBody>
+      </p:sp>
+      <p:sp>
+        <p:nvSpPr>
+          <p:cNvPr id="5" name="직사각형 4"/>
+          <p:cNvSpPr/>
+          <p:nvPr/>
+        </p:nvSpPr>
+        <p:spPr>
+          <a:xfrm>
+            <a:off x="6411766" y="533380"/>
+            <a:ext cx="1611642" cy="642942"/>
+          </a:xfrm>
+          <a:prstGeom prst="rect">
+            <a:avLst/>
+          </a:prstGeom>
+        </p:spPr>
+        <p:style>
+          <a:lnRef idx="2">
+            <a:schemeClr val="accent2"/>
+          </a:lnRef>
+          <a:fillRef idx="1">
+            <a:schemeClr val="lt1"/>
+          </a:fillRef>
+          <a:effectRef idx="0">
+            <a:schemeClr val="accent2"/>
+          </a:effectRef>
+          <a:fontRef idx="minor">
+            <a:schemeClr val="dk1"/>
+          </a:fontRef>
+        </p:style>
+        <p:txBody>
+          <a:bodyPr rtlCol="0" anchor="ctr"/>
+          <a:lstStyle/>
+          <a:p>
+            <a:pPr algn="ctr"/>
+            <a:r>
+              <a:rPr lang="ko-KR" altLang="en-US" dirty="0" smtClean="0"/>
+              <a:t>프레임 </a:t>
+            </a:r>
+            <a:r>
+              <a:rPr lang="en-US" altLang="ko-KR" dirty="0" smtClean="0"/>
+              <a:t>0</a:t>
+            </a:r>
+            <a:endParaRPr lang="ko-KR" altLang="en-US" dirty="0"/>
+          </a:p>
+        </p:txBody>
+      </p:sp>
+      <p:sp>
+        <p:nvSpPr>
+          <p:cNvPr id="7" name="직사각형 6"/>
+          <p:cNvSpPr/>
+          <p:nvPr/>
+        </p:nvSpPr>
+        <p:spPr>
+          <a:xfrm>
+            <a:off x="6411766" y="1247760"/>
+            <a:ext cx="1611642" cy="642942"/>
+          </a:xfrm>
+          <a:prstGeom prst="rect">
+            <a:avLst/>
+          </a:prstGeom>
+        </p:spPr>
+        <p:style>
+          <a:lnRef idx="2">
+            <a:schemeClr val="accent2"/>
+          </a:lnRef>
+          <a:fillRef idx="1">
+            <a:schemeClr val="lt1"/>
+          </a:fillRef>
+          <a:effectRef idx="0">
+            <a:schemeClr val="accent2"/>
+          </a:effectRef>
+          <a:fontRef idx="minor">
+            <a:schemeClr val="dk1"/>
+          </a:fontRef>
+        </p:style>
+        <p:txBody>
+          <a:bodyPr rtlCol="0" anchor="ctr"/>
+          <a:lstStyle/>
+          <a:p>
+            <a:pPr algn="ctr"/>
+            <a:r>
+              <a:rPr lang="ko-KR" altLang="en-US" dirty="0" smtClean="0"/>
+              <a:t>프레임 </a:t>
+            </a:r>
+            <a:r>
+              <a:rPr lang="en-US" altLang="ko-KR" dirty="0" smtClean="0"/>
+              <a:t>1</a:t>
+            </a:r>
+            <a:endParaRPr lang="ko-KR" altLang="en-US" dirty="0"/>
+          </a:p>
+        </p:txBody>
+      </p:sp>
+      <p:sp>
+        <p:nvSpPr>
+          <p:cNvPr id="8" name="직사각형 7"/>
+          <p:cNvSpPr/>
+          <p:nvPr/>
+        </p:nvSpPr>
+        <p:spPr>
+          <a:xfrm>
+            <a:off x="6411766" y="1962140"/>
+            <a:ext cx="1611642" cy="642942"/>
+          </a:xfrm>
+          <a:prstGeom prst="rect">
+            <a:avLst/>
+          </a:prstGeom>
+        </p:spPr>
+        <p:style>
+          <a:lnRef idx="2">
+            <a:schemeClr val="accent2"/>
+          </a:lnRef>
+          <a:fillRef idx="1">
+            <a:schemeClr val="lt1"/>
+          </a:fillRef>
+          <a:effectRef idx="0">
+            <a:schemeClr val="accent2"/>
+          </a:effectRef>
+          <a:fontRef idx="minor">
+            <a:schemeClr val="dk1"/>
+          </a:fontRef>
+        </p:style>
+        <p:txBody>
+          <a:bodyPr rtlCol="0" anchor="ctr"/>
+          <a:lstStyle/>
+          <a:p>
+            <a:pPr algn="ctr"/>
+            <a:r>
+              <a:rPr lang="ko-KR" altLang="en-US" dirty="0" smtClean="0"/>
+              <a:t>프레임 </a:t>
+            </a:r>
+            <a:r>
+              <a:rPr lang="en-US" altLang="ko-KR" dirty="0"/>
+              <a:t>2</a:t>
+            </a:r>
+            <a:endParaRPr lang="ko-KR" altLang="en-US" dirty="0"/>
+          </a:p>
+        </p:txBody>
+      </p:sp>
+      <p:sp>
+        <p:nvSpPr>
+          <p:cNvPr id="9" name="직사각형 8"/>
+          <p:cNvSpPr/>
+          <p:nvPr/>
+        </p:nvSpPr>
+        <p:spPr>
+          <a:xfrm>
+            <a:off x="6411766" y="2676520"/>
+            <a:ext cx="1611642" cy="642942"/>
+          </a:xfrm>
+          <a:prstGeom prst="rect">
+            <a:avLst/>
+          </a:prstGeom>
+        </p:spPr>
+        <p:style>
+          <a:lnRef idx="2">
+            <a:schemeClr val="accent2"/>
+          </a:lnRef>
+          <a:fillRef idx="1">
+            <a:schemeClr val="lt1"/>
+          </a:fillRef>
+          <a:effectRef idx="0">
+            <a:schemeClr val="accent2"/>
+          </a:effectRef>
+          <a:fontRef idx="minor">
+            <a:schemeClr val="dk1"/>
+          </a:fontRef>
+        </p:style>
+        <p:txBody>
+          <a:bodyPr rtlCol="0" anchor="ctr"/>
+          <a:lstStyle/>
+          <a:p>
+            <a:pPr algn="ctr"/>
+            <a:r>
+              <a:rPr lang="ko-KR" altLang="en-US" dirty="0" smtClean="0"/>
+              <a:t>프레임 </a:t>
+            </a:r>
+            <a:r>
+              <a:rPr lang="en-US" altLang="ko-KR" dirty="0" smtClean="0"/>
+              <a:t>3</a:t>
+            </a:r>
+            <a:endParaRPr lang="ko-KR" altLang="en-US" dirty="0"/>
+          </a:p>
+        </p:txBody>
+      </p:sp>
+      <p:sp>
+        <p:nvSpPr>
+          <p:cNvPr id="10" name="직사각형 9"/>
+          <p:cNvSpPr/>
+          <p:nvPr/>
+        </p:nvSpPr>
+        <p:spPr>
+          <a:xfrm>
+            <a:off x="6411766" y="3390900"/>
+            <a:ext cx="1611642" cy="642942"/>
+          </a:xfrm>
+          <a:prstGeom prst="rect">
+            <a:avLst/>
+          </a:prstGeom>
+        </p:spPr>
+        <p:style>
+          <a:lnRef idx="2">
+            <a:schemeClr val="accent2"/>
+          </a:lnRef>
+          <a:fillRef idx="1">
+            <a:schemeClr val="lt1"/>
+          </a:fillRef>
+          <a:effectRef idx="0">
+            <a:schemeClr val="accent2"/>
+          </a:effectRef>
+          <a:fontRef idx="minor">
+            <a:schemeClr val="dk1"/>
+          </a:fontRef>
+        </p:style>
+        <p:txBody>
+          <a:bodyPr rtlCol="0" anchor="ctr"/>
+          <a:lstStyle/>
+          <a:p>
+            <a:pPr algn="ctr"/>
+            <a:r>
+              <a:rPr lang="ko-KR" altLang="en-US" dirty="0" smtClean="0"/>
+              <a:t>프레임 </a:t>
+            </a:r>
+            <a:r>
+              <a:rPr lang="en-US" altLang="ko-KR" dirty="0" smtClean="0"/>
+              <a:t>4</a:t>
+            </a:r>
+            <a:endParaRPr lang="ko-KR" altLang="en-US" dirty="0"/>
+          </a:p>
+        </p:txBody>
+      </p:sp>
+      <p:sp>
+        <p:nvSpPr>
+          <p:cNvPr id="11" name="직사각형 10"/>
+          <p:cNvSpPr/>
+          <p:nvPr/>
+        </p:nvSpPr>
+        <p:spPr>
+          <a:xfrm>
+            <a:off x="6411766" y="4105280"/>
+            <a:ext cx="1611642" cy="642942"/>
+          </a:xfrm>
+          <a:prstGeom prst="rect">
+            <a:avLst/>
+          </a:prstGeom>
+        </p:spPr>
+        <p:style>
+          <a:lnRef idx="2">
+            <a:schemeClr val="accent2"/>
+          </a:lnRef>
+          <a:fillRef idx="1">
+            <a:schemeClr val="lt1"/>
+          </a:fillRef>
+          <a:effectRef idx="0">
+            <a:schemeClr val="accent2"/>
+          </a:effectRef>
+          <a:fontRef idx="minor">
+            <a:schemeClr val="dk1"/>
+          </a:fontRef>
+        </p:style>
+        <p:txBody>
+          <a:bodyPr rtlCol="0" anchor="ctr"/>
+          <a:lstStyle/>
+          <a:p>
+            <a:pPr algn="ctr"/>
+            <a:r>
+              <a:rPr lang="ko-KR" altLang="en-US" dirty="0" smtClean="0"/>
+              <a:t>프레임 </a:t>
+            </a:r>
+            <a:r>
+              <a:rPr lang="en-US" altLang="ko-KR" dirty="0"/>
+              <a:t>5</a:t>
+            </a:r>
+            <a:endParaRPr lang="ko-KR" altLang="en-US" dirty="0"/>
+          </a:p>
+        </p:txBody>
+      </p:sp>
+      <p:sp>
+        <p:nvSpPr>
+          <p:cNvPr id="12" name="직사각형 11"/>
+          <p:cNvSpPr/>
+          <p:nvPr/>
+        </p:nvSpPr>
+        <p:spPr>
+          <a:xfrm>
+            <a:off x="6411766" y="4819660"/>
+            <a:ext cx="1611642" cy="642942"/>
+          </a:xfrm>
+          <a:prstGeom prst="rect">
+            <a:avLst/>
+          </a:prstGeom>
+        </p:spPr>
+        <p:style>
+          <a:lnRef idx="2">
+            <a:schemeClr val="accent2"/>
+          </a:lnRef>
+          <a:fillRef idx="1">
+            <a:schemeClr val="lt1"/>
+          </a:fillRef>
+          <a:effectRef idx="0">
+            <a:schemeClr val="accent2"/>
+          </a:effectRef>
+          <a:fontRef idx="minor">
+            <a:schemeClr val="dk1"/>
+          </a:fontRef>
+        </p:style>
+        <p:txBody>
+          <a:bodyPr rtlCol="0" anchor="ctr"/>
+          <a:lstStyle/>
+          <a:p>
+            <a:pPr algn="ctr"/>
+            <a:r>
+              <a:rPr lang="ko-KR" altLang="en-US" dirty="0" smtClean="0"/>
+              <a:t>프레임 </a:t>
+            </a:r>
+            <a:r>
+              <a:rPr lang="en-US" altLang="ko-KR" dirty="0"/>
+              <a:t>6</a:t>
+            </a:r>
+            <a:endParaRPr lang="ko-KR" altLang="en-US" dirty="0"/>
+          </a:p>
+        </p:txBody>
+      </p:sp>
+      <p:sp>
+        <p:nvSpPr>
+          <p:cNvPr id="13" name="직사각형 12"/>
+          <p:cNvSpPr/>
+          <p:nvPr/>
+        </p:nvSpPr>
+        <p:spPr>
+          <a:xfrm flipV="1">
+            <a:off x="7143768" y="6143644"/>
+            <a:ext cx="142876" cy="45719"/>
+          </a:xfrm>
+          <a:prstGeom prst="rect">
+            <a:avLst/>
+          </a:prstGeom>
+          <a:noFill/>
+          <a:ln>
+            <a:noFill/>
+          </a:ln>
+        </p:spPr>
+        <p:style>
+          <a:lnRef idx="2">
+            <a:schemeClr val="accent2"/>
+          </a:lnRef>
+          <a:fillRef idx="1">
+            <a:schemeClr val="lt1"/>
+          </a:fillRef>
+          <a:effectRef idx="0">
+            <a:schemeClr val="accent2"/>
+          </a:effectRef>
+          <a:fontRef idx="minor">
+            <a:schemeClr val="dk1"/>
+          </a:fontRef>
+        </p:style>
+        <p:txBody>
+          <a:bodyPr rtlCol="0" anchor="ctr"/>
+          <a:lstStyle/>
+          <a:p>
+            <a:pPr algn="ctr"/>
+            <a:r>
+              <a:rPr lang="en-US" altLang="ko-KR" sz="6600" b="1" dirty="0" smtClean="0">
+                <a:ln w="31550" cmpd="sng">
+                  <a:gradFill>
+                    <a:gsLst>
+                      <a:gs pos="25000">
+                        <a:schemeClr val="accent1">
+                          <a:shade val="25000"/>
+                          <a:satMod val="190000"/>
+                        </a:schemeClr>
+                      </a:gs>
+                      <a:gs pos="80000">
+                        <a:schemeClr val="accent1">
+                          <a:tint val="75000"/>
+                          <a:satMod val="190000"/>
+                        </a:schemeClr>
+                      </a:gs>
+                    </a:gsLst>
+                    <a:lin ang="5400000"/>
+                  </a:gradFill>
+                  <a:prstDash val="solid"/>
+                </a:ln>
+                <a:solidFill>
+                  <a:srgbClr val="FFFFFF"/>
+                </a:solidFill>
+                <a:effectLst>
+                  <a:outerShdw blurRad="41275" dist="12700" dir="12000000" algn="tl" rotWithShape="0">
+                    <a:srgbClr val="000000">
+                      <a:alpha val="40000"/>
+                    </a:srgbClr>
+                  </a:outerShdw>
+                </a:effectLst>
+              </a:rPr>
+              <a:t>.</a:t>
+            </a:r>
+          </a:p>
+        </p:txBody>
+      </p:sp>
+      <p:sp>
+        <p:nvSpPr>
+          <p:cNvPr id="14" name="직사각형 13"/>
+          <p:cNvSpPr/>
+          <p:nvPr/>
+        </p:nvSpPr>
+        <p:spPr>
+          <a:xfrm flipV="1">
+            <a:off x="7143768" y="6455115"/>
+            <a:ext cx="142876" cy="45719"/>
+          </a:xfrm>
+          <a:prstGeom prst="rect">
+            <a:avLst/>
+          </a:prstGeom>
+          <a:noFill/>
+          <a:ln>
+            <a:noFill/>
+          </a:ln>
+        </p:spPr>
+        <p:style>
+          <a:lnRef idx="2">
+            <a:schemeClr val="accent2"/>
+          </a:lnRef>
+          <a:fillRef idx="1">
+            <a:schemeClr val="lt1"/>
+          </a:fillRef>
+          <a:effectRef idx="0">
+            <a:schemeClr val="accent2"/>
+          </a:effectRef>
+          <a:fontRef idx="minor">
+            <a:schemeClr val="dk1"/>
+          </a:fontRef>
+        </p:style>
+        <p:txBody>
+          <a:bodyPr rtlCol="0" anchor="ctr"/>
+          <a:lstStyle/>
+          <a:p>
+            <a:pPr algn="ctr"/>
+            <a:r>
+              <a:rPr lang="en-US" altLang="ko-KR" sz="6600" b="1" dirty="0" smtClean="0">
+                <a:ln w="31550" cmpd="sng">
+                  <a:gradFill>
+                    <a:gsLst>
+                      <a:gs pos="25000">
+                        <a:schemeClr val="accent1">
+                          <a:shade val="25000"/>
+                          <a:satMod val="190000"/>
+                        </a:schemeClr>
+                      </a:gs>
+                      <a:gs pos="80000">
+                        <a:schemeClr val="accent1">
+                          <a:tint val="75000"/>
+                          <a:satMod val="190000"/>
+                        </a:schemeClr>
+                      </a:gs>
+                    </a:gsLst>
+                    <a:lin ang="5400000"/>
+                  </a:gradFill>
+                  <a:prstDash val="solid"/>
+                </a:ln>
+                <a:solidFill>
+                  <a:srgbClr val="FFFFFF"/>
+                </a:solidFill>
+                <a:effectLst>
+                  <a:outerShdw blurRad="41275" dist="12700" dir="12000000" algn="tl" rotWithShape="0">
+                    <a:srgbClr val="000000">
+                      <a:alpha val="40000"/>
+                    </a:srgbClr>
+                  </a:outerShdw>
+                </a:effectLst>
+              </a:rPr>
+              <a:t>.</a:t>
+            </a:r>
+          </a:p>
+        </p:txBody>
+      </p:sp>
+      <p:sp>
+        <p:nvSpPr>
+          <p:cNvPr id="15" name="직사각형 14"/>
+          <p:cNvSpPr/>
+          <p:nvPr/>
+        </p:nvSpPr>
+        <p:spPr>
+          <a:xfrm flipV="1">
+            <a:off x="7143768" y="6786587"/>
+            <a:ext cx="142876" cy="45719"/>
+          </a:xfrm>
+          <a:prstGeom prst="rect">
+            <a:avLst/>
+          </a:prstGeom>
+          <a:noFill/>
+          <a:ln>
+            <a:noFill/>
+          </a:ln>
+        </p:spPr>
+        <p:style>
+          <a:lnRef idx="2">
+            <a:schemeClr val="accent2"/>
+          </a:lnRef>
+          <a:fillRef idx="1">
+            <a:schemeClr val="lt1"/>
+          </a:fillRef>
+          <a:effectRef idx="0">
+            <a:schemeClr val="accent2"/>
+          </a:effectRef>
+          <a:fontRef idx="minor">
+            <a:schemeClr val="dk1"/>
+          </a:fontRef>
+        </p:style>
+        <p:txBody>
+          <a:bodyPr rtlCol="0" anchor="ctr"/>
+          <a:lstStyle/>
+          <a:p>
+            <a:pPr algn="ctr"/>
+            <a:r>
+              <a:rPr lang="en-US" altLang="ko-KR" sz="6600" b="1" dirty="0" smtClean="0">
+                <a:ln w="31550" cmpd="sng">
+                  <a:gradFill>
+                    <a:gsLst>
+                      <a:gs pos="25000">
+                        <a:schemeClr val="accent1">
+                          <a:shade val="25000"/>
+                          <a:satMod val="190000"/>
+                        </a:schemeClr>
+                      </a:gs>
+                      <a:gs pos="80000">
+                        <a:schemeClr val="accent1">
+                          <a:tint val="75000"/>
+                          <a:satMod val="190000"/>
+                        </a:schemeClr>
+                      </a:gs>
+                    </a:gsLst>
+                    <a:lin ang="5400000"/>
+                  </a:gradFill>
+                  <a:prstDash val="solid"/>
+                </a:ln>
+                <a:solidFill>
+                  <a:srgbClr val="FFFFFF"/>
+                </a:solidFill>
+                <a:effectLst>
+                  <a:outerShdw blurRad="41275" dist="12700" dir="12000000" algn="tl" rotWithShape="0">
+                    <a:srgbClr val="000000">
+                      <a:alpha val="40000"/>
+                    </a:srgbClr>
+                  </a:outerShdw>
+                </a:effectLst>
+              </a:rPr>
+              <a:t>.</a:t>
+            </a:r>
+          </a:p>
+        </p:txBody>
+      </p:sp>
+      <p:sp>
+        <p:nvSpPr>
+          <p:cNvPr id="16" name="직사각형 15"/>
+          <p:cNvSpPr/>
+          <p:nvPr/>
+        </p:nvSpPr>
+        <p:spPr>
+          <a:xfrm>
+            <a:off x="214282" y="428604"/>
+            <a:ext cx="1611642" cy="642942"/>
+          </a:xfrm>
+          <a:prstGeom prst="rect">
+            <a:avLst/>
+          </a:prstGeom>
+        </p:spPr>
+        <p:style>
+          <a:lnRef idx="2">
+            <a:schemeClr val="accent2"/>
+          </a:lnRef>
+          <a:fillRef idx="1">
+            <a:schemeClr val="lt1"/>
+          </a:fillRef>
+          <a:effectRef idx="0">
+            <a:schemeClr val="accent2"/>
+          </a:effectRef>
+          <a:fontRef idx="minor">
+            <a:schemeClr val="dk1"/>
+          </a:fontRef>
+        </p:style>
+        <p:txBody>
+          <a:bodyPr rtlCol="0" anchor="ctr"/>
+          <a:lstStyle/>
+          <a:p>
+            <a:pPr algn="ctr"/>
+            <a:r>
+              <a:rPr lang="ko-KR" altLang="en-US" dirty="0" smtClean="0"/>
+              <a:t>페이지 </a:t>
+            </a:r>
+            <a:r>
+              <a:rPr lang="en-US" altLang="ko-KR" dirty="0"/>
+              <a:t>0</a:t>
+            </a:r>
+            <a:endParaRPr lang="ko-KR" altLang="en-US" dirty="0"/>
+          </a:p>
+        </p:txBody>
+      </p:sp>
+      <p:sp>
+        <p:nvSpPr>
+          <p:cNvPr id="17" name="직사각형 16"/>
+          <p:cNvSpPr/>
+          <p:nvPr/>
+        </p:nvSpPr>
+        <p:spPr>
+          <a:xfrm>
+            <a:off x="214282" y="1038208"/>
+            <a:ext cx="1611642" cy="642942"/>
+          </a:xfrm>
+          <a:prstGeom prst="rect">
+            <a:avLst/>
+          </a:prstGeom>
+        </p:spPr>
+        <p:style>
+          <a:lnRef idx="2">
+            <a:schemeClr val="accent2"/>
+          </a:lnRef>
+          <a:fillRef idx="1">
+            <a:schemeClr val="lt1"/>
+          </a:fillRef>
+          <a:effectRef idx="0">
+            <a:schemeClr val="accent2"/>
+          </a:effectRef>
+          <a:fontRef idx="minor">
+            <a:schemeClr val="dk1"/>
+          </a:fontRef>
+        </p:style>
+        <p:txBody>
+          <a:bodyPr rtlCol="0" anchor="ctr"/>
+          <a:lstStyle/>
+          <a:p>
+            <a:pPr algn="ctr"/>
+            <a:r>
+              <a:rPr lang="ko-KR" altLang="en-US" dirty="0" smtClean="0"/>
+              <a:t>페이지 </a:t>
+            </a:r>
+            <a:r>
+              <a:rPr lang="en-US" altLang="ko-KR" dirty="0"/>
+              <a:t>1</a:t>
+            </a:r>
+            <a:endParaRPr lang="ko-KR" altLang="en-US" dirty="0"/>
+          </a:p>
+        </p:txBody>
+      </p:sp>
+      <p:sp>
+        <p:nvSpPr>
+          <p:cNvPr id="18" name="직사각형 17"/>
+          <p:cNvSpPr/>
+          <p:nvPr/>
+        </p:nvSpPr>
+        <p:spPr>
+          <a:xfrm>
+            <a:off x="214282" y="1681150"/>
+            <a:ext cx="1611642" cy="642942"/>
+          </a:xfrm>
+          <a:prstGeom prst="rect">
+            <a:avLst/>
+          </a:prstGeom>
+        </p:spPr>
+        <p:style>
+          <a:lnRef idx="2">
+            <a:schemeClr val="accent2"/>
+          </a:lnRef>
+          <a:fillRef idx="1">
+            <a:schemeClr val="lt1"/>
+          </a:fillRef>
+          <a:effectRef idx="0">
+            <a:schemeClr val="accent2"/>
+          </a:effectRef>
+          <a:fontRef idx="minor">
+            <a:schemeClr val="dk1"/>
+          </a:fontRef>
+        </p:style>
+        <p:txBody>
+          <a:bodyPr rtlCol="0" anchor="ctr"/>
+          <a:lstStyle/>
+          <a:p>
+            <a:pPr algn="ctr"/>
+            <a:r>
+              <a:rPr lang="ko-KR" altLang="en-US" dirty="0" smtClean="0"/>
+              <a:t>자료 </a:t>
+            </a:r>
+            <a:r>
+              <a:rPr lang="en-US" altLang="ko-KR" dirty="0" smtClean="0"/>
+              <a:t>1</a:t>
+            </a:r>
+            <a:endParaRPr lang="ko-KR" altLang="en-US" dirty="0"/>
+          </a:p>
+        </p:txBody>
+      </p:sp>
+      <p:sp>
+        <p:nvSpPr>
+          <p:cNvPr id="21" name="직사각형 20"/>
+          <p:cNvSpPr/>
+          <p:nvPr/>
+        </p:nvSpPr>
+        <p:spPr>
+          <a:xfrm>
+            <a:off x="2500298" y="857232"/>
+            <a:ext cx="245746" cy="319090"/>
+          </a:xfrm>
+          <a:prstGeom prst="rect">
+            <a:avLst/>
+          </a:prstGeom>
+        </p:spPr>
+        <p:style>
+          <a:lnRef idx="2">
+            <a:schemeClr val="accent2"/>
+          </a:lnRef>
+          <a:fillRef idx="1">
+            <a:schemeClr val="lt1"/>
+          </a:fillRef>
+          <a:effectRef idx="0">
+            <a:schemeClr val="accent2"/>
+          </a:effectRef>
+          <a:fontRef idx="minor">
+            <a:schemeClr val="dk1"/>
+          </a:fontRef>
+        </p:style>
+        <p:txBody>
+          <a:bodyPr rtlCol="0" anchor="ctr"/>
+          <a:lstStyle/>
+          <a:p>
+            <a:pPr algn="ctr"/>
+            <a:r>
+              <a:rPr lang="en-US" altLang="ko-KR" dirty="0" smtClean="0"/>
+              <a:t>0</a:t>
+            </a:r>
+            <a:endParaRPr lang="ko-KR" altLang="en-US" dirty="0"/>
+          </a:p>
+        </p:txBody>
+      </p:sp>
+      <p:sp>
+        <p:nvSpPr>
+          <p:cNvPr id="22" name="직사각형 21"/>
+          <p:cNvSpPr/>
+          <p:nvPr/>
+        </p:nvSpPr>
+        <p:spPr>
+          <a:xfrm>
+            <a:off x="2500298" y="1185847"/>
+            <a:ext cx="245746" cy="319090"/>
+          </a:xfrm>
+          <a:prstGeom prst="rect">
+            <a:avLst/>
+          </a:prstGeom>
+        </p:spPr>
+        <p:style>
+          <a:lnRef idx="2">
+            <a:schemeClr val="accent2"/>
+          </a:lnRef>
+          <a:fillRef idx="1">
+            <a:schemeClr val="lt1"/>
+          </a:fillRef>
+          <a:effectRef idx="0">
+            <a:schemeClr val="accent2"/>
+          </a:effectRef>
+          <a:fontRef idx="minor">
+            <a:schemeClr val="dk1"/>
+          </a:fontRef>
+        </p:style>
+        <p:txBody>
+          <a:bodyPr rtlCol="0" anchor="ctr"/>
+          <a:lstStyle/>
+          <a:p>
+            <a:pPr algn="ctr"/>
+            <a:r>
+              <a:rPr lang="en-US" altLang="ko-KR" dirty="0" smtClean="0"/>
+              <a:t>3</a:t>
+            </a:r>
+            <a:endParaRPr lang="ko-KR" altLang="en-US" dirty="0"/>
+          </a:p>
+        </p:txBody>
+      </p:sp>
+      <p:sp>
+        <p:nvSpPr>
+          <p:cNvPr id="23" name="직사각형 22"/>
+          <p:cNvSpPr/>
+          <p:nvPr/>
+        </p:nvSpPr>
+        <p:spPr>
+          <a:xfrm>
+            <a:off x="2500298" y="1514462"/>
+            <a:ext cx="245746" cy="319090"/>
+          </a:xfrm>
+          <a:prstGeom prst="rect">
+            <a:avLst/>
+          </a:prstGeom>
+        </p:spPr>
+        <p:style>
+          <a:lnRef idx="2">
+            <a:schemeClr val="accent2"/>
+          </a:lnRef>
+          <a:fillRef idx="1">
+            <a:schemeClr val="lt1"/>
+          </a:fillRef>
+          <a:effectRef idx="0">
+            <a:schemeClr val="accent2"/>
+          </a:effectRef>
+          <a:fontRef idx="minor">
+            <a:schemeClr val="dk1"/>
+          </a:fontRef>
+        </p:style>
+        <p:txBody>
+          <a:bodyPr rtlCol="0" anchor="ctr"/>
+          <a:lstStyle/>
+          <a:p>
+            <a:pPr algn="ctr"/>
+            <a:r>
+              <a:rPr lang="en-US" altLang="ko-KR" dirty="0" smtClean="0"/>
+              <a:t>1</a:t>
+            </a:r>
+            <a:endParaRPr lang="ko-KR" altLang="en-US" dirty="0"/>
+          </a:p>
+        </p:txBody>
+      </p:sp>
+      <p:cxnSp>
+        <p:nvCxnSpPr>
+          <p:cNvPr id="25" name="직선 화살표 연결선 24"/>
+          <p:cNvCxnSpPr>
+            <a:stCxn id="16" idx="3"/>
+            <a:endCxn id="21" idx="1"/>
+          </p:cNvCxnSpPr>
+          <p:nvPr/>
+        </p:nvCxnSpPr>
+        <p:spPr>
+          <a:xfrm>
+            <a:off x="1825924" y="750075"/>
+            <a:ext cx="674374" cy="266702"/>
+          </a:xfrm>
+          <a:prstGeom prst="straightConnector1">
+            <a:avLst/>
+          </a:prstGeom>
+          <a:ln>
+            <a:tailEnd type="arrow"/>
+          </a:ln>
+        </p:spPr>
+        <p:style>
+          <a:lnRef idx="3">
+            <a:schemeClr val="accent6"/>
+          </a:lnRef>
+          <a:fillRef idx="0">
+            <a:schemeClr val="accent6"/>
+          </a:fillRef>
+          <a:effectRef idx="2">
+            <a:schemeClr val="accent6"/>
+          </a:effectRef>
+          <a:fontRef idx="minor">
+            <a:schemeClr val="tx1"/>
+          </a:fontRef>
+        </p:style>
+      </p:cxnSp>
+      <p:cxnSp>
+        <p:nvCxnSpPr>
+          <p:cNvPr id="26" name="직선 화살표 연결선 25"/>
+          <p:cNvCxnSpPr>
+            <a:stCxn id="17" idx="3"/>
+            <a:endCxn id="22" idx="1"/>
+          </p:cNvCxnSpPr>
+          <p:nvPr/>
+        </p:nvCxnSpPr>
+        <p:spPr>
+          <a:xfrm flipV="1">
+            <a:off x="1825924" y="1345392"/>
+            <a:ext cx="674374" cy="14287"/>
+          </a:xfrm>
+          <a:prstGeom prst="straightConnector1">
+            <a:avLst/>
+          </a:prstGeom>
+          <a:ln>
+            <a:tailEnd type="arrow"/>
+          </a:ln>
+        </p:spPr>
+        <p:style>
+          <a:lnRef idx="3">
+            <a:schemeClr val="accent6"/>
+          </a:lnRef>
+          <a:fillRef idx="0">
+            <a:schemeClr val="accent6"/>
+          </a:fillRef>
+          <a:effectRef idx="2">
+            <a:schemeClr val="accent6"/>
+          </a:effectRef>
+          <a:fontRef idx="minor">
+            <a:schemeClr val="tx1"/>
+          </a:fontRef>
+        </p:style>
+      </p:cxnSp>
+      <p:cxnSp>
+        <p:nvCxnSpPr>
+          <p:cNvPr id="27" name="직선 화살표 연결선 26"/>
+          <p:cNvCxnSpPr>
+            <a:stCxn id="18" idx="3"/>
+            <a:endCxn id="23" idx="1"/>
+          </p:cNvCxnSpPr>
+          <p:nvPr/>
+        </p:nvCxnSpPr>
+        <p:spPr>
+          <a:xfrm flipV="1">
+            <a:off x="1825924" y="1674007"/>
+            <a:ext cx="674374" cy="328614"/>
+          </a:xfrm>
+          <a:prstGeom prst="straightConnector1">
+            <a:avLst/>
+          </a:prstGeom>
+          <a:ln>
+            <a:tailEnd type="arrow"/>
+          </a:ln>
+        </p:spPr>
+        <p:style>
+          <a:lnRef idx="3">
+            <a:schemeClr val="accent6"/>
+          </a:lnRef>
+          <a:fillRef idx="0">
+            <a:schemeClr val="accent6"/>
+          </a:fillRef>
+          <a:effectRef idx="2">
+            <a:schemeClr val="accent6"/>
+          </a:effectRef>
+          <a:fontRef idx="minor">
+            <a:schemeClr val="tx1"/>
+          </a:fontRef>
+        </p:style>
+      </p:cxnSp>
+      <p:sp>
+        <p:nvSpPr>
+          <p:cNvPr id="44" name="직사각형 43"/>
+          <p:cNvSpPr/>
+          <p:nvPr/>
+        </p:nvSpPr>
+        <p:spPr>
+          <a:xfrm>
+            <a:off x="214282" y="3962404"/>
+            <a:ext cx="1611642" cy="642942"/>
+          </a:xfrm>
+          <a:prstGeom prst="rect">
+            <a:avLst/>
+          </a:prstGeom>
+        </p:spPr>
+        <p:style>
+          <a:lnRef idx="2">
+            <a:schemeClr val="accent2"/>
+          </a:lnRef>
+          <a:fillRef idx="1">
+            <a:schemeClr val="lt1"/>
+          </a:fillRef>
+          <a:effectRef idx="0">
+            <a:schemeClr val="accent2"/>
+          </a:effectRef>
+          <a:fontRef idx="minor">
+            <a:schemeClr val="dk1"/>
+          </a:fontRef>
+        </p:style>
+        <p:txBody>
+          <a:bodyPr rtlCol="0" anchor="ctr"/>
+          <a:lstStyle/>
+          <a:p>
+            <a:pPr algn="ctr"/>
+            <a:r>
+              <a:rPr lang="ko-KR" altLang="en-US" dirty="0" smtClean="0"/>
+              <a:t>페이지 </a:t>
+            </a:r>
+            <a:r>
+              <a:rPr lang="en-US" altLang="ko-KR" dirty="0"/>
+              <a:t>0</a:t>
+            </a:r>
+            <a:endParaRPr lang="ko-KR" altLang="en-US" dirty="0"/>
+          </a:p>
+        </p:txBody>
+      </p:sp>
+      <p:sp>
+        <p:nvSpPr>
+          <p:cNvPr id="45" name="직사각형 44"/>
+          <p:cNvSpPr/>
+          <p:nvPr/>
+        </p:nvSpPr>
+        <p:spPr>
+          <a:xfrm>
+            <a:off x="214282" y="4572008"/>
+            <a:ext cx="1611642" cy="642942"/>
+          </a:xfrm>
+          <a:prstGeom prst="rect">
+            <a:avLst/>
+          </a:prstGeom>
+        </p:spPr>
+        <p:style>
+          <a:lnRef idx="2">
+            <a:schemeClr val="accent2"/>
+          </a:lnRef>
+          <a:fillRef idx="1">
+            <a:schemeClr val="lt1"/>
+          </a:fillRef>
+          <a:effectRef idx="0">
+            <a:schemeClr val="accent2"/>
+          </a:effectRef>
+          <a:fontRef idx="minor">
+            <a:schemeClr val="dk1"/>
+          </a:fontRef>
+        </p:style>
+        <p:txBody>
+          <a:bodyPr rtlCol="0" anchor="ctr"/>
+          <a:lstStyle/>
+          <a:p>
+            <a:pPr algn="ctr"/>
+            <a:r>
+              <a:rPr lang="ko-KR" altLang="en-US" dirty="0" smtClean="0"/>
+              <a:t>페이지 </a:t>
+            </a:r>
+            <a:r>
+              <a:rPr lang="en-US" altLang="ko-KR" dirty="0"/>
+              <a:t>1</a:t>
+            </a:r>
+            <a:endParaRPr lang="ko-KR" altLang="en-US" dirty="0"/>
+          </a:p>
+        </p:txBody>
+      </p:sp>
+      <p:sp>
+        <p:nvSpPr>
+          <p:cNvPr id="46" name="직사각형 45"/>
+          <p:cNvSpPr/>
+          <p:nvPr/>
+        </p:nvSpPr>
+        <p:spPr>
+          <a:xfrm>
+            <a:off x="214282" y="5214950"/>
+            <a:ext cx="1611642" cy="642942"/>
+          </a:xfrm>
+          <a:prstGeom prst="rect">
+            <a:avLst/>
+          </a:prstGeom>
+        </p:spPr>
+        <p:style>
+          <a:lnRef idx="2">
+            <a:schemeClr val="accent2"/>
+          </a:lnRef>
+          <a:fillRef idx="1">
+            <a:schemeClr val="lt1"/>
+          </a:fillRef>
+          <a:effectRef idx="0">
+            <a:schemeClr val="accent2"/>
+          </a:effectRef>
+          <a:fontRef idx="minor">
+            <a:schemeClr val="dk1"/>
+          </a:fontRef>
+        </p:style>
+        <p:txBody>
+          <a:bodyPr rtlCol="0" anchor="ctr"/>
+          <a:lstStyle/>
+          <a:p>
+            <a:pPr algn="ctr"/>
+            <a:r>
+              <a:rPr lang="ko-KR" altLang="en-US" dirty="0" smtClean="0"/>
+              <a:t>자료 </a:t>
+            </a:r>
+            <a:r>
+              <a:rPr lang="en-US" altLang="ko-KR" dirty="0" smtClean="0"/>
+              <a:t>3</a:t>
+            </a:r>
+            <a:endParaRPr lang="ko-KR" altLang="en-US" dirty="0"/>
+          </a:p>
+        </p:txBody>
+      </p:sp>
+      <p:sp>
+        <p:nvSpPr>
+          <p:cNvPr id="47" name="직사각형 46"/>
+          <p:cNvSpPr/>
+          <p:nvPr/>
+        </p:nvSpPr>
+        <p:spPr>
+          <a:xfrm>
+            <a:off x="2500298" y="4391032"/>
+            <a:ext cx="245746" cy="319090"/>
+          </a:xfrm>
+          <a:prstGeom prst="rect">
+            <a:avLst/>
+          </a:prstGeom>
+        </p:spPr>
+        <p:style>
+          <a:lnRef idx="2">
+            <a:schemeClr val="accent2"/>
+          </a:lnRef>
+          <a:fillRef idx="1">
+            <a:schemeClr val="lt1"/>
+          </a:fillRef>
+          <a:effectRef idx="0">
+            <a:schemeClr val="accent2"/>
+          </a:effectRef>
+          <a:fontRef idx="minor">
+            <a:schemeClr val="dk1"/>
+          </a:fontRef>
+        </p:style>
+        <p:txBody>
+          <a:bodyPr rtlCol="0" anchor="ctr"/>
+          <a:lstStyle/>
+          <a:p>
+            <a:pPr algn="ctr"/>
+            <a:r>
+              <a:rPr lang="en-US" altLang="ko-KR" dirty="0" smtClean="0"/>
+              <a:t>0</a:t>
+            </a:r>
+            <a:endParaRPr lang="ko-KR" altLang="en-US" dirty="0"/>
+          </a:p>
+        </p:txBody>
+      </p:sp>
+      <p:sp>
+        <p:nvSpPr>
+          <p:cNvPr id="48" name="직사각형 47"/>
+          <p:cNvSpPr/>
+          <p:nvPr/>
+        </p:nvSpPr>
+        <p:spPr>
+          <a:xfrm>
+            <a:off x="2500298" y="4719647"/>
+            <a:ext cx="245746" cy="319090"/>
+          </a:xfrm>
+          <a:prstGeom prst="rect">
+            <a:avLst/>
+          </a:prstGeom>
+        </p:spPr>
+        <p:style>
+          <a:lnRef idx="2">
+            <a:schemeClr val="accent2"/>
+          </a:lnRef>
+          <a:fillRef idx="1">
+            <a:schemeClr val="lt1"/>
+          </a:fillRef>
+          <a:effectRef idx="0">
+            <a:schemeClr val="accent2"/>
+          </a:effectRef>
+          <a:fontRef idx="minor">
+            <a:schemeClr val="dk1"/>
+          </a:fontRef>
+        </p:style>
+        <p:txBody>
+          <a:bodyPr rtlCol="0" anchor="ctr"/>
+          <a:lstStyle/>
+          <a:p>
+            <a:pPr algn="ctr"/>
+            <a:r>
+              <a:rPr lang="en-US" altLang="ko-KR" dirty="0" smtClean="0"/>
+              <a:t>3</a:t>
+            </a:r>
+            <a:endParaRPr lang="ko-KR" altLang="en-US" dirty="0"/>
+          </a:p>
+        </p:txBody>
+      </p:sp>
+      <p:sp>
+        <p:nvSpPr>
+          <p:cNvPr id="49" name="직사각형 48"/>
+          <p:cNvSpPr/>
+          <p:nvPr/>
+        </p:nvSpPr>
+        <p:spPr>
+          <a:xfrm>
+            <a:off x="2500298" y="5048262"/>
+            <a:ext cx="245746" cy="319090"/>
+          </a:xfrm>
+          <a:prstGeom prst="rect">
+            <a:avLst/>
+          </a:prstGeom>
+        </p:spPr>
+        <p:style>
+          <a:lnRef idx="2">
+            <a:schemeClr val="accent2"/>
+          </a:lnRef>
+          <a:fillRef idx="1">
+            <a:schemeClr val="lt1"/>
+          </a:fillRef>
+          <a:effectRef idx="0">
+            <a:schemeClr val="accent2"/>
+          </a:effectRef>
+          <a:fontRef idx="minor">
+            <a:schemeClr val="dk1"/>
+          </a:fontRef>
+        </p:style>
+        <p:txBody>
+          <a:bodyPr rtlCol="0" anchor="ctr"/>
+          <a:lstStyle/>
+          <a:p>
+            <a:pPr algn="ctr"/>
+            <a:r>
+              <a:rPr lang="en-US" altLang="ko-KR" dirty="0" smtClean="0"/>
+              <a:t>6</a:t>
+            </a:r>
+            <a:endParaRPr lang="ko-KR" altLang="en-US" dirty="0"/>
+          </a:p>
+        </p:txBody>
+      </p:sp>
+      <p:cxnSp>
+        <p:nvCxnSpPr>
+          <p:cNvPr id="50" name="직선 화살표 연결선 49"/>
+          <p:cNvCxnSpPr>
+            <a:stCxn id="44" idx="3"/>
+            <a:endCxn id="47" idx="1"/>
+          </p:cNvCxnSpPr>
+          <p:nvPr/>
+        </p:nvCxnSpPr>
+        <p:spPr>
+          <a:xfrm>
+            <a:off x="1825924" y="4283875"/>
+            <a:ext cx="674374" cy="266702"/>
+          </a:xfrm>
+          <a:prstGeom prst="straightConnector1">
+            <a:avLst/>
+          </a:prstGeom>
+          <a:ln>
+            <a:tailEnd type="arrow"/>
+          </a:ln>
+        </p:spPr>
+        <p:style>
+          <a:lnRef idx="3">
+            <a:schemeClr val="accent6"/>
+          </a:lnRef>
+          <a:fillRef idx="0">
+            <a:schemeClr val="accent6"/>
+          </a:fillRef>
+          <a:effectRef idx="2">
+            <a:schemeClr val="accent6"/>
+          </a:effectRef>
+          <a:fontRef idx="minor">
+            <a:schemeClr val="tx1"/>
+          </a:fontRef>
+        </p:style>
+      </p:cxnSp>
+      <p:cxnSp>
+        <p:nvCxnSpPr>
+          <p:cNvPr id="51" name="직선 화살표 연결선 50"/>
+          <p:cNvCxnSpPr>
+            <a:stCxn id="45" idx="3"/>
+            <a:endCxn id="48" idx="1"/>
+          </p:cNvCxnSpPr>
+          <p:nvPr/>
+        </p:nvCxnSpPr>
+        <p:spPr>
+          <a:xfrm flipV="1">
+            <a:off x="1825924" y="4879192"/>
+            <a:ext cx="674374" cy="14287"/>
+          </a:xfrm>
+          <a:prstGeom prst="straightConnector1">
+            <a:avLst/>
+          </a:prstGeom>
+          <a:ln>
+            <a:tailEnd type="arrow"/>
+          </a:ln>
+        </p:spPr>
+        <p:style>
+          <a:lnRef idx="3">
+            <a:schemeClr val="accent6"/>
+          </a:lnRef>
+          <a:fillRef idx="0">
+            <a:schemeClr val="accent6"/>
+          </a:fillRef>
+          <a:effectRef idx="2">
+            <a:schemeClr val="accent6"/>
+          </a:effectRef>
+          <a:fontRef idx="minor">
+            <a:schemeClr val="tx1"/>
+          </a:fontRef>
+        </p:style>
+      </p:cxnSp>
+      <p:cxnSp>
+        <p:nvCxnSpPr>
+          <p:cNvPr id="52" name="직선 화살표 연결선 51"/>
+          <p:cNvCxnSpPr>
+            <a:stCxn id="46" idx="3"/>
+            <a:endCxn id="49" idx="1"/>
+          </p:cNvCxnSpPr>
+          <p:nvPr/>
+        </p:nvCxnSpPr>
+        <p:spPr>
+          <a:xfrm flipV="1">
+            <a:off x="1825924" y="5207807"/>
+            <a:ext cx="674374" cy="328614"/>
+          </a:xfrm>
+          <a:prstGeom prst="straightConnector1">
+            <a:avLst/>
+          </a:prstGeom>
+          <a:ln>
+            <a:tailEnd type="arrow"/>
+          </a:ln>
+        </p:spPr>
+        <p:style>
+          <a:lnRef idx="3">
+            <a:schemeClr val="accent6"/>
+          </a:lnRef>
+          <a:fillRef idx="0">
+            <a:schemeClr val="accent6"/>
+          </a:fillRef>
+          <a:effectRef idx="2">
+            <a:schemeClr val="accent6"/>
+          </a:effectRef>
+          <a:fontRef idx="minor">
+            <a:schemeClr val="tx1"/>
+          </a:fontRef>
+        </p:style>
+      </p:cxnSp>
+      <p:sp>
+        <p:nvSpPr>
+          <p:cNvPr id="53" name="직사각형 52"/>
+          <p:cNvSpPr/>
+          <p:nvPr/>
+        </p:nvSpPr>
+        <p:spPr>
+          <a:xfrm>
+            <a:off x="2500298" y="2176454"/>
+            <a:ext cx="1611642" cy="642942"/>
+          </a:xfrm>
+          <a:prstGeom prst="rect">
+            <a:avLst/>
+          </a:prstGeom>
+        </p:spPr>
+        <p:style>
+          <a:lnRef idx="2">
+            <a:schemeClr val="accent2"/>
+          </a:lnRef>
+          <a:fillRef idx="1">
+            <a:schemeClr val="lt1"/>
+          </a:fillRef>
+          <a:effectRef idx="0">
+            <a:schemeClr val="accent2"/>
+          </a:effectRef>
+          <a:fontRef idx="minor">
+            <a:schemeClr val="dk1"/>
+          </a:fontRef>
+        </p:style>
+        <p:txBody>
+          <a:bodyPr rtlCol="0" anchor="ctr"/>
+          <a:lstStyle/>
+          <a:p>
+            <a:pPr algn="ctr"/>
+            <a:r>
+              <a:rPr lang="ko-KR" altLang="en-US" dirty="0" smtClean="0"/>
+              <a:t>페이지 </a:t>
+            </a:r>
+            <a:r>
+              <a:rPr lang="en-US" altLang="ko-KR" dirty="0"/>
+              <a:t>0</a:t>
+            </a:r>
+            <a:endParaRPr lang="ko-KR" altLang="en-US" dirty="0"/>
+          </a:p>
+        </p:txBody>
+      </p:sp>
+      <p:sp>
+        <p:nvSpPr>
+          <p:cNvPr id="54" name="직사각형 53"/>
+          <p:cNvSpPr/>
+          <p:nvPr/>
+        </p:nvSpPr>
+        <p:spPr>
+          <a:xfrm>
+            <a:off x="2500298" y="2786058"/>
+            <a:ext cx="1611642" cy="642942"/>
+          </a:xfrm>
+          <a:prstGeom prst="rect">
+            <a:avLst/>
+          </a:prstGeom>
+        </p:spPr>
+        <p:style>
+          <a:lnRef idx="2">
+            <a:schemeClr val="accent2"/>
+          </a:lnRef>
+          <a:fillRef idx="1">
+            <a:schemeClr val="lt1"/>
+          </a:fillRef>
+          <a:effectRef idx="0">
+            <a:schemeClr val="accent2"/>
+          </a:effectRef>
+          <a:fontRef idx="minor">
+            <a:schemeClr val="dk1"/>
+          </a:fontRef>
+        </p:style>
+        <p:txBody>
+          <a:bodyPr rtlCol="0" anchor="ctr"/>
+          <a:lstStyle/>
+          <a:p>
+            <a:pPr algn="ctr"/>
+            <a:r>
+              <a:rPr lang="ko-KR" altLang="en-US" dirty="0" smtClean="0"/>
+              <a:t>페이지 </a:t>
+            </a:r>
+            <a:r>
+              <a:rPr lang="en-US" altLang="ko-KR" dirty="0"/>
+              <a:t>1</a:t>
+            </a:r>
+            <a:endParaRPr lang="ko-KR" altLang="en-US" dirty="0"/>
+          </a:p>
+        </p:txBody>
+      </p:sp>
+      <p:sp>
+        <p:nvSpPr>
+          <p:cNvPr id="55" name="직사각형 54"/>
+          <p:cNvSpPr/>
+          <p:nvPr/>
+        </p:nvSpPr>
+        <p:spPr>
+          <a:xfrm>
+            <a:off x="2500298" y="3429000"/>
+            <a:ext cx="1611642" cy="642942"/>
+          </a:xfrm>
+          <a:prstGeom prst="rect">
+            <a:avLst/>
+          </a:prstGeom>
+        </p:spPr>
+        <p:style>
+          <a:lnRef idx="2">
+            <a:schemeClr val="accent2"/>
+          </a:lnRef>
+          <a:fillRef idx="1">
+            <a:schemeClr val="lt1"/>
+          </a:fillRef>
+          <a:effectRef idx="0">
+            <a:schemeClr val="accent2"/>
+          </a:effectRef>
+          <a:fontRef idx="minor">
+            <a:schemeClr val="dk1"/>
+          </a:fontRef>
+        </p:style>
+        <p:txBody>
+          <a:bodyPr rtlCol="0" anchor="ctr"/>
+          <a:lstStyle/>
+          <a:p>
+            <a:pPr algn="ctr"/>
+            <a:r>
+              <a:rPr lang="ko-KR" altLang="en-US" dirty="0" smtClean="0"/>
+              <a:t>자료 </a:t>
+            </a:r>
+            <a:r>
+              <a:rPr lang="en-US" altLang="ko-KR" dirty="0" smtClean="0"/>
+              <a:t>2</a:t>
+            </a:r>
+            <a:endParaRPr lang="ko-KR" altLang="en-US" dirty="0"/>
+          </a:p>
+        </p:txBody>
+      </p:sp>
+      <p:sp>
+        <p:nvSpPr>
+          <p:cNvPr id="56" name="직사각형 55"/>
+          <p:cNvSpPr/>
+          <p:nvPr/>
+        </p:nvSpPr>
+        <p:spPr>
+          <a:xfrm>
+            <a:off x="4786314" y="2605082"/>
+            <a:ext cx="245746" cy="319090"/>
+          </a:xfrm>
+          <a:prstGeom prst="rect">
+            <a:avLst/>
+          </a:prstGeom>
+        </p:spPr>
+        <p:style>
+          <a:lnRef idx="2">
+            <a:schemeClr val="accent2"/>
+          </a:lnRef>
+          <a:fillRef idx="1">
+            <a:schemeClr val="lt1"/>
+          </a:fillRef>
+          <a:effectRef idx="0">
+            <a:schemeClr val="accent2"/>
+          </a:effectRef>
+          <a:fontRef idx="minor">
+            <a:schemeClr val="dk1"/>
+          </a:fontRef>
+        </p:style>
+        <p:txBody>
+          <a:bodyPr rtlCol="0" anchor="ctr"/>
+          <a:lstStyle/>
+          <a:p>
+            <a:pPr algn="ctr"/>
+            <a:r>
+              <a:rPr lang="en-US" altLang="ko-KR" dirty="0" smtClean="0"/>
+              <a:t>0</a:t>
+            </a:r>
+            <a:endParaRPr lang="ko-KR" altLang="en-US" dirty="0"/>
+          </a:p>
+        </p:txBody>
+      </p:sp>
+      <p:sp>
+        <p:nvSpPr>
+          <p:cNvPr id="57" name="직사각형 56"/>
+          <p:cNvSpPr/>
+          <p:nvPr/>
+        </p:nvSpPr>
+        <p:spPr>
+          <a:xfrm>
+            <a:off x="4786314" y="2933697"/>
+            <a:ext cx="245746" cy="319090"/>
+          </a:xfrm>
+          <a:prstGeom prst="rect">
+            <a:avLst/>
+          </a:prstGeom>
+        </p:spPr>
+        <p:style>
+          <a:lnRef idx="2">
+            <a:schemeClr val="accent2"/>
+          </a:lnRef>
+          <a:fillRef idx="1">
+            <a:schemeClr val="lt1"/>
+          </a:fillRef>
+          <a:effectRef idx="0">
+            <a:schemeClr val="accent2"/>
+          </a:effectRef>
+          <a:fontRef idx="minor">
+            <a:schemeClr val="dk1"/>
+          </a:fontRef>
+        </p:style>
+        <p:txBody>
+          <a:bodyPr rtlCol="0" anchor="ctr"/>
+          <a:lstStyle/>
+          <a:p>
+            <a:pPr algn="ctr"/>
+            <a:r>
+              <a:rPr lang="en-US" altLang="ko-KR" dirty="0" smtClean="0"/>
+              <a:t>3</a:t>
+            </a:r>
+            <a:endParaRPr lang="ko-KR" altLang="en-US" dirty="0"/>
+          </a:p>
+        </p:txBody>
+      </p:sp>
+      <p:sp>
+        <p:nvSpPr>
+          <p:cNvPr id="58" name="직사각형 57"/>
+          <p:cNvSpPr/>
+          <p:nvPr/>
+        </p:nvSpPr>
+        <p:spPr>
+          <a:xfrm>
+            <a:off x="4786314" y="3262312"/>
+            <a:ext cx="245746" cy="319090"/>
+          </a:xfrm>
+          <a:prstGeom prst="rect">
+            <a:avLst/>
+          </a:prstGeom>
+        </p:spPr>
+        <p:style>
+          <a:lnRef idx="2">
+            <a:schemeClr val="accent2"/>
+          </a:lnRef>
+          <a:fillRef idx="1">
+            <a:schemeClr val="lt1"/>
+          </a:fillRef>
+          <a:effectRef idx="0">
+            <a:schemeClr val="accent2"/>
+          </a:effectRef>
+          <a:fontRef idx="minor">
+            <a:schemeClr val="dk1"/>
+          </a:fontRef>
+        </p:style>
+        <p:txBody>
+          <a:bodyPr rtlCol="0" anchor="ctr"/>
+          <a:lstStyle/>
+          <a:p>
+            <a:pPr algn="ctr"/>
+            <a:r>
+              <a:rPr lang="en-US" altLang="ko-KR" dirty="0" smtClean="0"/>
+              <a:t>4</a:t>
+            </a:r>
+            <a:endParaRPr lang="ko-KR" altLang="en-US" dirty="0"/>
+          </a:p>
+        </p:txBody>
+      </p:sp>
+      <p:cxnSp>
+        <p:nvCxnSpPr>
+          <p:cNvPr id="59" name="직선 화살표 연결선 58"/>
+          <p:cNvCxnSpPr>
+            <a:stCxn id="53" idx="3"/>
+            <a:endCxn id="56" idx="1"/>
+          </p:cNvCxnSpPr>
+          <p:nvPr/>
+        </p:nvCxnSpPr>
+        <p:spPr>
+          <a:xfrm>
+            <a:off x="4111940" y="2497925"/>
+            <a:ext cx="674374" cy="266702"/>
+          </a:xfrm>
+          <a:prstGeom prst="straightConnector1">
+            <a:avLst/>
+          </a:prstGeom>
+          <a:ln>
+            <a:tailEnd type="arrow"/>
+          </a:ln>
+        </p:spPr>
+        <p:style>
+          <a:lnRef idx="3">
+            <a:schemeClr val="accent6"/>
+          </a:lnRef>
+          <a:fillRef idx="0">
+            <a:schemeClr val="accent6"/>
+          </a:fillRef>
+          <a:effectRef idx="2">
+            <a:schemeClr val="accent6"/>
+          </a:effectRef>
+          <a:fontRef idx="minor">
+            <a:schemeClr val="tx1"/>
+          </a:fontRef>
+        </p:style>
+      </p:cxnSp>
+      <p:cxnSp>
+        <p:nvCxnSpPr>
+          <p:cNvPr id="60" name="직선 화살표 연결선 59"/>
+          <p:cNvCxnSpPr>
+            <a:stCxn id="54" idx="3"/>
+            <a:endCxn id="57" idx="1"/>
+          </p:cNvCxnSpPr>
+          <p:nvPr/>
+        </p:nvCxnSpPr>
+        <p:spPr>
+          <a:xfrm flipV="1">
+            <a:off x="4111940" y="3093242"/>
+            <a:ext cx="674374" cy="14287"/>
+          </a:xfrm>
+          <a:prstGeom prst="straightConnector1">
+            <a:avLst/>
+          </a:prstGeom>
+          <a:ln>
+            <a:tailEnd type="arrow"/>
+          </a:ln>
+        </p:spPr>
+        <p:style>
+          <a:lnRef idx="3">
+            <a:schemeClr val="accent6"/>
+          </a:lnRef>
+          <a:fillRef idx="0">
+            <a:schemeClr val="accent6"/>
+          </a:fillRef>
+          <a:effectRef idx="2">
+            <a:schemeClr val="accent6"/>
+          </a:effectRef>
+          <a:fontRef idx="minor">
+            <a:schemeClr val="tx1"/>
+          </a:fontRef>
+        </p:style>
+      </p:cxnSp>
+      <p:cxnSp>
+        <p:nvCxnSpPr>
+          <p:cNvPr id="61" name="직선 화살표 연결선 60"/>
+          <p:cNvCxnSpPr>
+            <a:stCxn id="55" idx="3"/>
+            <a:endCxn id="58" idx="1"/>
+          </p:cNvCxnSpPr>
+          <p:nvPr/>
+        </p:nvCxnSpPr>
+        <p:spPr>
+          <a:xfrm flipV="1">
+            <a:off x="4111940" y="3421857"/>
+            <a:ext cx="674374" cy="328614"/>
+          </a:xfrm>
+          <a:prstGeom prst="straightConnector1">
+            <a:avLst/>
+          </a:prstGeom>
+          <a:ln>
+            <a:tailEnd type="arrow"/>
+          </a:ln>
+        </p:spPr>
+        <p:style>
+          <a:lnRef idx="3">
+            <a:schemeClr val="accent6"/>
+          </a:lnRef>
+          <a:fillRef idx="0">
+            <a:schemeClr val="accent6"/>
+          </a:fillRef>
+          <a:effectRef idx="2">
+            <a:schemeClr val="accent6"/>
+          </a:effectRef>
+          <a:fontRef idx="minor">
+            <a:schemeClr val="tx1"/>
+          </a:fontRef>
+        </p:style>
+      </p:cxnSp>
+      <p:cxnSp>
+        <p:nvCxnSpPr>
+          <p:cNvPr id="62" name="직선 화살표 연결선 61"/>
+          <p:cNvCxnSpPr>
+            <a:stCxn id="49" idx="3"/>
+            <a:endCxn id="12" idx="1"/>
+          </p:cNvCxnSpPr>
+          <p:nvPr/>
+        </p:nvCxnSpPr>
+        <p:spPr>
+          <a:xfrm flipV="1">
+            <a:off x="2746044" y="5141131"/>
+            <a:ext cx="3665722" cy="66676"/>
+          </a:xfrm>
+          <a:prstGeom prst="straightConnector1">
+            <a:avLst/>
+          </a:prstGeom>
+          <a:ln>
+            <a:tailEnd type="arrow"/>
+          </a:ln>
+        </p:spPr>
+        <p:style>
+          <a:lnRef idx="3">
+            <a:schemeClr val="accent6"/>
+          </a:lnRef>
+          <a:fillRef idx="0">
+            <a:schemeClr val="accent6"/>
+          </a:fillRef>
+          <a:effectRef idx="2">
+            <a:schemeClr val="accent6"/>
+          </a:effectRef>
+          <a:fontRef idx="minor">
+            <a:schemeClr val="tx1"/>
+          </a:fontRef>
+        </p:style>
+      </p:cxnSp>
+      <p:cxnSp>
+        <p:nvCxnSpPr>
+          <p:cNvPr id="65" name="직선 화살표 연결선 64"/>
+          <p:cNvCxnSpPr>
+            <a:stCxn id="58" idx="3"/>
+            <a:endCxn id="10" idx="1"/>
+          </p:cNvCxnSpPr>
+          <p:nvPr/>
+        </p:nvCxnSpPr>
+        <p:spPr>
+          <a:xfrm>
+            <a:off x="5032060" y="3421857"/>
+            <a:ext cx="1379706" cy="290514"/>
+          </a:xfrm>
+          <a:prstGeom prst="straightConnector1">
+            <a:avLst/>
+          </a:prstGeom>
+          <a:ln>
+            <a:tailEnd type="arrow"/>
+          </a:ln>
+        </p:spPr>
+        <p:style>
+          <a:lnRef idx="3">
+            <a:schemeClr val="accent6"/>
+          </a:lnRef>
+          <a:fillRef idx="0">
+            <a:schemeClr val="accent6"/>
+          </a:fillRef>
+          <a:effectRef idx="2">
+            <a:schemeClr val="accent6"/>
+          </a:effectRef>
+          <a:fontRef idx="minor">
+            <a:schemeClr val="tx1"/>
+          </a:fontRef>
+        </p:style>
+      </p:cxnSp>
+      <p:cxnSp>
+        <p:nvCxnSpPr>
+          <p:cNvPr id="68" name="직선 화살표 연결선 67"/>
+          <p:cNvCxnSpPr>
+            <a:stCxn id="23" idx="3"/>
+            <a:endCxn id="7" idx="1"/>
+          </p:cNvCxnSpPr>
+          <p:nvPr/>
+        </p:nvCxnSpPr>
+        <p:spPr>
+          <a:xfrm flipV="1">
+            <a:off x="2746044" y="1569231"/>
+            <a:ext cx="3665722" cy="104776"/>
+          </a:xfrm>
+          <a:prstGeom prst="straightConnector1">
+            <a:avLst/>
+          </a:prstGeom>
+          <a:ln>
+            <a:tailEnd type="arrow"/>
+          </a:ln>
+        </p:spPr>
+        <p:style>
+          <a:lnRef idx="3">
+            <a:schemeClr val="accent6"/>
+          </a:lnRef>
+          <a:fillRef idx="0">
+            <a:schemeClr val="accent6"/>
+          </a:fillRef>
+          <a:effectRef idx="2">
+            <a:schemeClr val="accent6"/>
+          </a:effectRef>
+          <a:fontRef idx="minor">
+            <a:schemeClr val="tx1"/>
+          </a:fontRef>
+        </p:style>
+      </p:cxnSp>
+      <p:sp>
+        <p:nvSpPr>
+          <p:cNvPr id="71" name="타원 70"/>
+          <p:cNvSpPr/>
+          <p:nvPr/>
+        </p:nvSpPr>
+        <p:spPr>
+          <a:xfrm>
+            <a:off x="2214546" y="785794"/>
+            <a:ext cx="857256" cy="785818"/>
+          </a:xfrm>
+          <a:prstGeom prst="ellipse">
+            <a:avLst/>
+          </a:prstGeom>
+          <a:noFill/>
+          <a:ln w="76200"/>
+        </p:spPr>
+        <p:style>
+          <a:lnRef idx="2">
+            <a:schemeClr val="accent1"/>
+          </a:lnRef>
+          <a:fillRef idx="1">
+            <a:schemeClr val="lt1"/>
+          </a:fillRef>
+          <a:effectRef idx="0">
+            <a:schemeClr val="accent1"/>
+          </a:effectRef>
+          <a:fontRef idx="minor">
+            <a:schemeClr val="dk1"/>
+          </a:fontRef>
+        </p:style>
+        <p:txBody>
+          <a:bodyPr rtlCol="0" anchor="ctr"/>
+          <a:lstStyle/>
+          <a:p>
+            <a:pPr algn="ctr"/>
+            <a:endParaRPr lang="ko-KR" altLang="en-US"/>
+          </a:p>
+        </p:txBody>
+      </p:sp>
+      <p:sp>
+        <p:nvSpPr>
+          <p:cNvPr id="78" name="타원 77"/>
+          <p:cNvSpPr/>
+          <p:nvPr/>
+        </p:nvSpPr>
+        <p:spPr>
+          <a:xfrm>
+            <a:off x="2285984" y="4286256"/>
+            <a:ext cx="857256" cy="785818"/>
+          </a:xfrm>
+          <a:prstGeom prst="ellipse">
+            <a:avLst/>
+          </a:prstGeom>
+          <a:noFill/>
+          <a:ln w="76200"/>
+        </p:spPr>
+        <p:style>
+          <a:lnRef idx="2">
+            <a:schemeClr val="accent1"/>
+          </a:lnRef>
+          <a:fillRef idx="1">
+            <a:schemeClr val="lt1"/>
+          </a:fillRef>
+          <a:effectRef idx="0">
+            <a:schemeClr val="accent1"/>
+          </a:effectRef>
+          <a:fontRef idx="minor">
+            <a:schemeClr val="dk1"/>
+          </a:fontRef>
+        </p:style>
+        <p:txBody>
+          <a:bodyPr rtlCol="0" anchor="ctr"/>
+          <a:lstStyle/>
+          <a:p>
+            <a:pPr algn="ctr"/>
+            <a:endParaRPr lang="ko-KR" altLang="en-US"/>
+          </a:p>
+        </p:txBody>
+      </p:sp>
+      <p:sp>
+        <p:nvSpPr>
+          <p:cNvPr id="81" name="타원 80"/>
+          <p:cNvSpPr/>
+          <p:nvPr/>
+        </p:nvSpPr>
+        <p:spPr>
+          <a:xfrm>
+            <a:off x="4572000" y="2428868"/>
+            <a:ext cx="857256" cy="785818"/>
+          </a:xfrm>
+          <a:prstGeom prst="ellipse">
+            <a:avLst/>
+          </a:prstGeom>
+          <a:noFill/>
+          <a:ln w="76200"/>
+        </p:spPr>
+        <p:style>
+          <a:lnRef idx="2">
+            <a:schemeClr val="accent1"/>
+          </a:lnRef>
+          <a:fillRef idx="1">
+            <a:schemeClr val="lt1"/>
+          </a:fillRef>
+          <a:effectRef idx="0">
+            <a:schemeClr val="accent1"/>
+          </a:effectRef>
+          <a:fontRef idx="minor">
+            <a:schemeClr val="dk1"/>
+          </a:fontRef>
+        </p:style>
+        <p:txBody>
+          <a:bodyPr rtlCol="0" anchor="ctr"/>
+          <a:lstStyle/>
+          <a:p>
+            <a:pPr algn="ctr"/>
+            <a:endParaRPr lang="ko-KR" altLang="en-US"/>
+          </a:p>
+        </p:txBody>
+      </p:sp>
+      <p:sp>
+        <p:nvSpPr>
+          <p:cNvPr id="88" name="타원 87"/>
+          <p:cNvSpPr/>
+          <p:nvPr/>
+        </p:nvSpPr>
+        <p:spPr>
+          <a:xfrm>
+            <a:off x="6072198" y="500042"/>
+            <a:ext cx="2286016" cy="785818"/>
+          </a:xfrm>
+          <a:prstGeom prst="ellipse">
+            <a:avLst/>
+          </a:prstGeom>
+          <a:noFill/>
+          <a:ln w="76200"/>
+        </p:spPr>
+        <p:style>
+          <a:lnRef idx="2">
+            <a:schemeClr val="accent1"/>
+          </a:lnRef>
+          <a:fillRef idx="1">
+            <a:schemeClr val="lt1"/>
+          </a:fillRef>
+          <a:effectRef idx="0">
+            <a:schemeClr val="accent1"/>
+          </a:effectRef>
+          <a:fontRef idx="minor">
+            <a:schemeClr val="dk1"/>
+          </a:fontRef>
+        </p:style>
+        <p:txBody>
+          <a:bodyPr rtlCol="0" anchor="ctr"/>
+          <a:lstStyle/>
+          <a:p>
+            <a:pPr algn="ctr"/>
+            <a:endParaRPr lang="ko-KR" altLang="en-US"/>
+          </a:p>
+        </p:txBody>
+      </p:sp>
+      <p:sp>
+        <p:nvSpPr>
+          <p:cNvPr id="89" name="타원 88"/>
+          <p:cNvSpPr/>
+          <p:nvPr/>
+        </p:nvSpPr>
+        <p:spPr>
+          <a:xfrm>
+            <a:off x="6072198" y="2571744"/>
+            <a:ext cx="2286016" cy="785818"/>
+          </a:xfrm>
+          <a:prstGeom prst="ellipse">
+            <a:avLst/>
+          </a:prstGeom>
+          <a:noFill/>
+          <a:ln w="76200"/>
+        </p:spPr>
+        <p:style>
+          <a:lnRef idx="2">
+            <a:schemeClr val="accent1"/>
+          </a:lnRef>
+          <a:fillRef idx="1">
+            <a:schemeClr val="lt1"/>
+          </a:fillRef>
+          <a:effectRef idx="0">
+            <a:schemeClr val="accent1"/>
+          </a:effectRef>
+          <a:fontRef idx="minor">
+            <a:schemeClr val="dk1"/>
+          </a:fontRef>
+        </p:style>
+        <p:txBody>
+          <a:bodyPr rtlCol="0" anchor="ctr"/>
+          <a:lstStyle/>
+          <a:p>
+            <a:pPr algn="ctr"/>
+            <a:endParaRPr lang="ko-KR" altLang="en-US"/>
+          </a:p>
+        </p:txBody>
+      </p:sp>
+      <p:sp>
+        <p:nvSpPr>
+          <p:cNvPr id="92" name="원호 91"/>
+          <p:cNvSpPr/>
+          <p:nvPr/>
+        </p:nvSpPr>
+        <p:spPr>
+          <a:xfrm>
+            <a:off x="8001024" y="857232"/>
+            <a:ext cx="785818" cy="2143140"/>
+          </a:xfrm>
+          <a:prstGeom prst="arc">
+            <a:avLst>
+              <a:gd name="adj1" fmla="val 16200000"/>
+              <a:gd name="adj2" fmla="val 5468803"/>
+            </a:avLst>
+          </a:prstGeom>
+          <a:noFill/>
+          <a:ln w="76200"/>
+        </p:spPr>
+        <p:style>
+          <a:lnRef idx="2">
+            <a:schemeClr val="accent1"/>
+          </a:lnRef>
+          <a:fillRef idx="1">
+            <a:schemeClr val="lt1"/>
+          </a:fillRef>
+          <a:effectRef idx="0">
+            <a:schemeClr val="accent1"/>
+          </a:effectRef>
+          <a:fontRef idx="minor">
+            <a:schemeClr val="dk1"/>
+          </a:fontRef>
+        </p:style>
+        <p:txBody>
+          <a:bodyPr rtlCol="0" anchor="ctr"/>
+          <a:lstStyle/>
+          <a:p>
+            <a:pPr algn="ctr"/>
+            <a:endParaRPr lang="ko-KR" altLang="en-US"/>
+          </a:p>
+        </p:txBody>
+      </p:sp>
+      <p:sp>
+        <p:nvSpPr>
+          <p:cNvPr id="93" name="직사각형 92"/>
+          <p:cNvSpPr/>
+          <p:nvPr/>
+        </p:nvSpPr>
+        <p:spPr>
+          <a:xfrm>
+            <a:off x="3214678" y="0"/>
+            <a:ext cx="2428892" cy="428604"/>
+          </a:xfrm>
+          <a:prstGeom prst="rect">
+            <a:avLst/>
+          </a:prstGeom>
+        </p:spPr>
+        <p:style>
+          <a:lnRef idx="2">
+            <a:schemeClr val="dk1"/>
+          </a:lnRef>
+          <a:fillRef idx="1">
+            <a:schemeClr val="lt1"/>
+          </a:fillRef>
+          <a:effectRef idx="0">
+            <a:schemeClr val="dk1"/>
+          </a:effectRef>
+          <a:fontRef idx="minor">
+            <a:schemeClr val="dk1"/>
+          </a:fontRef>
+        </p:style>
+        <p:txBody>
+          <a:bodyPr rtlCol="0" anchor="ctr"/>
+          <a:lstStyle/>
+          <a:p>
+            <a:pPr algn="ctr"/>
+            <a:r>
+              <a:rPr lang="ko-KR" altLang="en-US" dirty="0" smtClean="0"/>
+              <a:t>공유 페이지</a:t>
+            </a:r>
+            <a:endParaRPr lang="ko-KR" altLang="en-US" dirty="0"/>
+          </a:p>
+        </p:txBody>
+      </p:sp>
+    </p:spTree>
+  </p:cSld>
+  <p:clrMapOvr>
+    <a:masterClrMapping/>
+  </p:clrMapOvr>
+</p:sld>
+</file>
+
+<file path=ppt/slides/slide9.xml><?xml version="1.0" encoding="utf-8"?>
+<p:sld xmlns:a="http://schemas.openxmlformats.org/drawingml/2006/main" xmlns:r="http://schemas.openxmlformats.org/officeDocument/2006/relationships" xmlns:p="http://schemas.openxmlformats.org/presentationml/2006/main">
+  <p:cSld>
+    <p:spTree>
+      <p:nvGrpSpPr>
+        <p:cNvPr id="1" name=""/>
+        <p:cNvGrpSpPr/>
+        <p:nvPr/>
+      </p:nvGrpSpPr>
+      <p:grpSpPr>
+        <a:xfrm>
+          <a:off x="0" y="0"/>
+          <a:ext cx="0" cy="0"/>
+          <a:chOff x="0" y="0"/>
+          <a:chExt cx="0" cy="0"/>
+        </a:xfrm>
+      </p:grpSpPr>
+      <p:sp>
+        <p:nvSpPr>
+          <p:cNvPr id="4" name="타원 3"/>
+          <p:cNvSpPr/>
+          <p:nvPr/>
+        </p:nvSpPr>
+        <p:spPr>
+          <a:xfrm>
+            <a:off x="1714480" y="1357298"/>
+            <a:ext cx="3857652" cy="3714776"/>
+          </a:xfrm>
+          <a:prstGeom prst="ellipse">
+            <a:avLst/>
+          </a:prstGeom>
+        </p:spPr>
+        <p:style>
+          <a:lnRef idx="1">
+            <a:schemeClr val="dk1"/>
+          </a:lnRef>
+          <a:fillRef idx="2">
+            <a:schemeClr val="dk1"/>
+          </a:fillRef>
+          <a:effectRef idx="1">
+            <a:schemeClr val="dk1"/>
+          </a:effectRef>
+          <a:fontRef idx="minor">
+            <a:schemeClr val="dk1"/>
+          </a:fontRef>
+        </p:style>
+        <p:txBody>
+          <a:bodyPr rtlCol="0" anchor="ctr"/>
+          <a:lstStyle/>
+          <a:p>
+            <a:pPr algn="ctr"/>
+            <a:endParaRPr lang="ko-KR" altLang="en-US"/>
+          </a:p>
+        </p:txBody>
+      </p:sp>
+      <p:sp>
+        <p:nvSpPr>
+          <p:cNvPr id="5" name="직사각형 4"/>
+          <p:cNvSpPr/>
+          <p:nvPr/>
+        </p:nvSpPr>
+        <p:spPr>
+          <a:xfrm>
+            <a:off x="2714612" y="1928802"/>
+            <a:ext cx="1285884" cy="785818"/>
+          </a:xfrm>
+          <a:prstGeom prst="rect">
+            <a:avLst/>
+          </a:prstGeom>
+        </p:spPr>
+        <p:style>
+          <a:lnRef idx="3">
+            <a:schemeClr val="lt1"/>
+          </a:lnRef>
+          <a:fillRef idx="1">
+            <a:schemeClr val="accent5"/>
+          </a:fillRef>
+          <a:effectRef idx="1">
+            <a:schemeClr val="accent5"/>
+          </a:effectRef>
+          <a:fontRef idx="minor">
+            <a:schemeClr val="lt1"/>
+          </a:fontRef>
+        </p:style>
+        <p:txBody>
+          <a:bodyPr rtlCol="0" anchor="ctr"/>
+          <a:lstStyle/>
+          <a:p>
+            <a:pPr algn="ctr"/>
+            <a:r>
+              <a:rPr lang="ko-KR" altLang="en-US" dirty="0" smtClean="0"/>
+              <a:t>서브루틴</a:t>
+            </a:r>
+            <a:endParaRPr lang="ko-KR" altLang="en-US" dirty="0"/>
+          </a:p>
+        </p:txBody>
+      </p:sp>
+      <p:sp>
+        <p:nvSpPr>
+          <p:cNvPr id="6" name="직사각형 5"/>
+          <p:cNvSpPr/>
+          <p:nvPr/>
+        </p:nvSpPr>
+        <p:spPr>
+          <a:xfrm>
+            <a:off x="4429124" y="2786058"/>
+            <a:ext cx="857256" cy="1143008"/>
+          </a:xfrm>
+          <a:prstGeom prst="rect">
+            <a:avLst/>
+          </a:prstGeom>
+        </p:spPr>
+        <p:style>
+          <a:lnRef idx="3">
+            <a:schemeClr val="lt1"/>
+          </a:lnRef>
+          <a:fillRef idx="1">
+            <a:schemeClr val="accent6"/>
+          </a:fillRef>
+          <a:effectRef idx="1">
+            <a:schemeClr val="accent6"/>
+          </a:effectRef>
+          <a:fontRef idx="minor">
+            <a:schemeClr val="lt1"/>
+          </a:fontRef>
+        </p:style>
+        <p:txBody>
+          <a:bodyPr rtlCol="0" anchor="ctr"/>
+          <a:lstStyle/>
+          <a:p>
+            <a:pPr algn="ctr"/>
+            <a:r>
+              <a:rPr lang="ko-KR" altLang="en-US" dirty="0" err="1" smtClean="0"/>
+              <a:t>스택</a:t>
+            </a:r>
+            <a:endParaRPr lang="ko-KR" altLang="en-US" dirty="0"/>
+          </a:p>
+        </p:txBody>
+      </p:sp>
+      <p:sp>
+        <p:nvSpPr>
+          <p:cNvPr id="7" name="직사각형 6"/>
+          <p:cNvSpPr/>
+          <p:nvPr/>
+        </p:nvSpPr>
+        <p:spPr>
+          <a:xfrm>
+            <a:off x="2571736" y="3500438"/>
+            <a:ext cx="1571636" cy="1143008"/>
+          </a:xfrm>
+          <a:prstGeom prst="rect">
+            <a:avLst/>
+          </a:prstGeom>
+        </p:spPr>
+        <p:style>
+          <a:lnRef idx="3">
+            <a:schemeClr val="lt1"/>
+          </a:lnRef>
+          <a:fillRef idx="1">
+            <a:schemeClr val="accent2"/>
+          </a:fillRef>
+          <a:effectRef idx="1">
+            <a:schemeClr val="accent2"/>
+          </a:effectRef>
+          <a:fontRef idx="minor">
+            <a:schemeClr val="lt1"/>
+          </a:fontRef>
+        </p:style>
+        <p:txBody>
+          <a:bodyPr rtlCol="0" anchor="ctr"/>
+          <a:lstStyle/>
+          <a:p>
+            <a:pPr algn="ctr"/>
+            <a:r>
+              <a:rPr lang="ko-KR" altLang="en-US" dirty="0" smtClean="0"/>
+              <a:t>주</a:t>
+            </a:r>
+            <a:endParaRPr lang="en-US" altLang="ko-KR" dirty="0" smtClean="0"/>
+          </a:p>
+          <a:p>
+            <a:pPr algn="ctr"/>
+            <a:r>
+              <a:rPr lang="ko-KR" altLang="en-US" dirty="0" smtClean="0"/>
+              <a:t>프로그</a:t>
+            </a:r>
+            <a:r>
+              <a:rPr lang="ko-KR" altLang="en-US" dirty="0" smtClean="0"/>
+              <a:t>램</a:t>
+            </a:r>
+            <a:endParaRPr lang="ko-KR" altLang="en-US" dirty="0"/>
+          </a:p>
+        </p:txBody>
+      </p:sp>
+      <p:sp>
+        <p:nvSpPr>
+          <p:cNvPr id="8" name="직사각형 7"/>
+          <p:cNvSpPr/>
+          <p:nvPr/>
+        </p:nvSpPr>
+        <p:spPr>
+          <a:xfrm>
+            <a:off x="1928794" y="5214950"/>
+            <a:ext cx="3143272" cy="785818"/>
+          </a:xfrm>
+          <a:prstGeom prst="rect">
+            <a:avLst/>
+          </a:prstGeom>
+        </p:spPr>
+        <p:style>
+          <a:lnRef idx="3">
+            <a:schemeClr val="lt1"/>
+          </a:lnRef>
+          <a:fillRef idx="1">
+            <a:schemeClr val="dk1"/>
+          </a:fillRef>
+          <a:effectRef idx="1">
+            <a:schemeClr val="dk1"/>
+          </a:effectRef>
+          <a:fontRef idx="minor">
+            <a:schemeClr val="lt1"/>
+          </a:fontRef>
+        </p:style>
+        <p:txBody>
+          <a:bodyPr rtlCol="0" anchor="ctr"/>
+          <a:lstStyle/>
+          <a:p>
+            <a:pPr algn="ctr"/>
+            <a:r>
+              <a:rPr lang="ko-KR" altLang="en-US" dirty="0" smtClean="0"/>
+              <a:t>논리적 주소공간</a:t>
             </a:r>
             <a:endParaRPr lang="ko-KR" altLang="en-US" dirty="0"/>
           </a:p>
